--- a/FRSYS/static/create_png.pptx
+++ b/FRSYS/static/create_png.pptx
@@ -5,7 +5,7 @@
     <p:sldMasterId id="2147483648" r:id="rId1"/>
   </p:sldMasterIdLst>
   <p:notesMasterIdLst>
-    <p:notesMasterId r:id="rId8"/>
+    <p:notesMasterId r:id="rId9"/>
   </p:notesMasterIdLst>
   <p:sldIdLst>
     <p:sldId id="256" r:id="rId2"/>
@@ -14,6 +14,7 @@
     <p:sldId id="259" r:id="rId5"/>
     <p:sldId id="260" r:id="rId6"/>
     <p:sldId id="261" r:id="rId7"/>
+    <p:sldId id="262" r:id="rId8"/>
   </p:sldIdLst>
   <p:sldSz cx="12192000" cy="6858000"/>
   <p:notesSz cx="6858000" cy="9144000"/>
@@ -202,7 +203,7 @@
           <a:p>
             <a:fld id="{622FD209-266D-4CFA-95EB-8BEF77BDC566}" type="datetimeFigureOut">
               <a:rPr lang="zh-CN" altLang="en-US" smtClean="0"/>
-              <a:t>2022/5/5</a:t>
+              <a:t>2022/5/7</a:t>
             </a:fld>
             <a:endParaRPr lang="zh-CN" altLang="en-US"/>
           </a:p>
@@ -721,6 +722,90 @@
 </p:notes>
 </file>
 
+<file path=ppt/notesSlides/notesSlide4.xml><?xml version="1.0" encoding="utf-8"?>
+<p:notes xmlns:a="http://schemas.openxmlformats.org/drawingml/2006/main" xmlns:r="http://schemas.openxmlformats.org/officeDocument/2006/relationships" xmlns:p="http://schemas.openxmlformats.org/presentationml/2006/main">
+  <p:cSld>
+    <p:spTree>
+      <p:nvGrpSpPr>
+        <p:cNvPr id="1" name=""/>
+        <p:cNvGrpSpPr/>
+        <p:nvPr/>
+      </p:nvGrpSpPr>
+      <p:grpSpPr>
+        <a:xfrm>
+          <a:off x="0" y="0"/>
+          <a:ext cx="0" cy="0"/>
+          <a:chOff x="0" y="0"/>
+          <a:chExt cx="0" cy="0"/>
+        </a:xfrm>
+      </p:grpSpPr>
+      <p:sp>
+        <p:nvSpPr>
+          <p:cNvPr id="2" name="幻灯片图像占位符 1"/>
+          <p:cNvSpPr>
+            <a:spLocks noGrp="1" noRot="1" noChangeAspect="1"/>
+          </p:cNvSpPr>
+          <p:nvPr>
+            <p:ph type="sldImg"/>
+          </p:nvPr>
+        </p:nvSpPr>
+        <p:spPr/>
+      </p:sp>
+      <p:sp>
+        <p:nvSpPr>
+          <p:cNvPr id="3" name="备注占位符 2"/>
+          <p:cNvSpPr>
+            <a:spLocks noGrp="1"/>
+          </p:cNvSpPr>
+          <p:nvPr>
+            <p:ph type="body" idx="1"/>
+          </p:nvPr>
+        </p:nvSpPr>
+        <p:spPr/>
+        <p:txBody>
+          <a:bodyPr/>
+          <a:lstStyle/>
+          <a:p>
+            <a:endParaRPr lang="zh-CN" altLang="en-US" dirty="0"/>
+          </a:p>
+        </p:txBody>
+      </p:sp>
+      <p:sp>
+        <p:nvSpPr>
+          <p:cNvPr id="4" name="灯片编号占位符 3"/>
+          <p:cNvSpPr>
+            <a:spLocks noGrp="1"/>
+          </p:cNvSpPr>
+          <p:nvPr>
+            <p:ph type="sldNum" sz="quarter" idx="5"/>
+          </p:nvPr>
+        </p:nvSpPr>
+        <p:spPr/>
+        <p:txBody>
+          <a:bodyPr/>
+          <a:lstStyle/>
+          <a:p>
+            <a:fld id="{289620E5-F1CD-441F-A4CC-EC349032E0BF}" type="slidenum">
+              <a:rPr lang="zh-CN" altLang="en-US" smtClean="0"/>
+              <a:t>7</a:t>
+            </a:fld>
+            <a:endParaRPr lang="zh-CN" altLang="en-US"/>
+          </a:p>
+        </p:txBody>
+      </p:sp>
+    </p:spTree>
+    <p:extLst>
+      <p:ext uri="{BB962C8B-B14F-4D97-AF65-F5344CB8AC3E}">
+        <p14:creationId xmlns:p14="http://schemas.microsoft.com/office/powerpoint/2010/main" val="4008089689"/>
+      </p:ext>
+    </p:extLst>
+  </p:cSld>
+  <p:clrMapOvr>
+    <a:masterClrMapping/>
+  </p:clrMapOvr>
+</p:notes>
+</file>
+
 <file path=ppt/slideLayouts/slideLayout1.xml><?xml version="1.0" encoding="utf-8"?>
 <p:sldLayout xmlns:a="http://schemas.openxmlformats.org/drawingml/2006/main" xmlns:r="http://schemas.openxmlformats.org/officeDocument/2006/relationships" xmlns:p="http://schemas.openxmlformats.org/presentationml/2006/main" type="title" preserve="1">
   <p:cSld name="标题幻灯片">
@@ -868,7 +953,7 @@
           <a:p>
             <a:fld id="{A1B234E5-1079-4317-BEEF-F9F660E4A9FC}" type="datetimeFigureOut">
               <a:rPr lang="zh-CN" altLang="en-US" smtClean="0"/>
-              <a:t>2022/5/5</a:t>
+              <a:t>2022/5/7</a:t>
             </a:fld>
             <a:endParaRPr lang="zh-CN" altLang="en-US"/>
           </a:p>
@@ -1066,7 +1151,7 @@
           <a:p>
             <a:fld id="{A1B234E5-1079-4317-BEEF-F9F660E4A9FC}" type="datetimeFigureOut">
               <a:rPr lang="zh-CN" altLang="en-US" smtClean="0"/>
-              <a:t>2022/5/5</a:t>
+              <a:t>2022/5/7</a:t>
             </a:fld>
             <a:endParaRPr lang="zh-CN" altLang="en-US"/>
           </a:p>
@@ -1274,7 +1359,7 @@
           <a:p>
             <a:fld id="{A1B234E5-1079-4317-BEEF-F9F660E4A9FC}" type="datetimeFigureOut">
               <a:rPr lang="zh-CN" altLang="en-US" smtClean="0"/>
-              <a:t>2022/5/5</a:t>
+              <a:t>2022/5/7</a:t>
             </a:fld>
             <a:endParaRPr lang="zh-CN" altLang="en-US"/>
           </a:p>
@@ -1472,7 +1557,7 @@
           <a:p>
             <a:fld id="{A1B234E5-1079-4317-BEEF-F9F660E4A9FC}" type="datetimeFigureOut">
               <a:rPr lang="zh-CN" altLang="en-US" smtClean="0"/>
-              <a:t>2022/5/5</a:t>
+              <a:t>2022/5/7</a:t>
             </a:fld>
             <a:endParaRPr lang="zh-CN" altLang="en-US"/>
           </a:p>
@@ -1747,7 +1832,7 @@
           <a:p>
             <a:fld id="{A1B234E5-1079-4317-BEEF-F9F660E4A9FC}" type="datetimeFigureOut">
               <a:rPr lang="zh-CN" altLang="en-US" smtClean="0"/>
-              <a:t>2022/5/5</a:t>
+              <a:t>2022/5/7</a:t>
             </a:fld>
             <a:endParaRPr lang="zh-CN" altLang="en-US"/>
           </a:p>
@@ -2012,7 +2097,7 @@
           <a:p>
             <a:fld id="{A1B234E5-1079-4317-BEEF-F9F660E4A9FC}" type="datetimeFigureOut">
               <a:rPr lang="zh-CN" altLang="en-US" smtClean="0"/>
-              <a:t>2022/5/5</a:t>
+              <a:t>2022/5/7</a:t>
             </a:fld>
             <a:endParaRPr lang="zh-CN" altLang="en-US"/>
           </a:p>
@@ -2424,7 +2509,7 @@
           <a:p>
             <a:fld id="{A1B234E5-1079-4317-BEEF-F9F660E4A9FC}" type="datetimeFigureOut">
               <a:rPr lang="zh-CN" altLang="en-US" smtClean="0"/>
-              <a:t>2022/5/5</a:t>
+              <a:t>2022/5/7</a:t>
             </a:fld>
             <a:endParaRPr lang="zh-CN" altLang="en-US"/>
           </a:p>
@@ -2565,7 +2650,7 @@
           <a:p>
             <a:fld id="{A1B234E5-1079-4317-BEEF-F9F660E4A9FC}" type="datetimeFigureOut">
               <a:rPr lang="zh-CN" altLang="en-US" smtClean="0"/>
-              <a:t>2022/5/5</a:t>
+              <a:t>2022/5/7</a:t>
             </a:fld>
             <a:endParaRPr lang="zh-CN" altLang="en-US"/>
           </a:p>
@@ -2678,7 +2763,7 @@
           <a:p>
             <a:fld id="{A1B234E5-1079-4317-BEEF-F9F660E4A9FC}" type="datetimeFigureOut">
               <a:rPr lang="zh-CN" altLang="en-US" smtClean="0"/>
-              <a:t>2022/5/5</a:t>
+              <a:t>2022/5/7</a:t>
             </a:fld>
             <a:endParaRPr lang="zh-CN" altLang="en-US"/>
           </a:p>
@@ -2989,7 +3074,7 @@
           <a:p>
             <a:fld id="{A1B234E5-1079-4317-BEEF-F9F660E4A9FC}" type="datetimeFigureOut">
               <a:rPr lang="zh-CN" altLang="en-US" smtClean="0"/>
-              <a:t>2022/5/5</a:t>
+              <a:t>2022/5/7</a:t>
             </a:fld>
             <a:endParaRPr lang="zh-CN" altLang="en-US"/>
           </a:p>
@@ -3277,7 +3362,7 @@
           <a:p>
             <a:fld id="{A1B234E5-1079-4317-BEEF-F9F660E4A9FC}" type="datetimeFigureOut">
               <a:rPr lang="zh-CN" altLang="en-US" smtClean="0"/>
-              <a:t>2022/5/5</a:t>
+              <a:t>2022/5/7</a:t>
             </a:fld>
             <a:endParaRPr lang="zh-CN" altLang="en-US"/>
           </a:p>
@@ -3518,7 +3603,7 @@
           <a:p>
             <a:fld id="{A1B234E5-1079-4317-BEEF-F9F660E4A9FC}" type="datetimeFigureOut">
               <a:rPr lang="zh-CN" altLang="en-US" smtClean="0"/>
-              <a:t>2022/5/5</a:t>
+              <a:t>2022/5/7</a:t>
             </a:fld>
             <a:endParaRPr lang="zh-CN" altLang="en-US"/>
           </a:p>
@@ -5403,10 +5488,10 @@
       </p:grpSpPr>
       <p:sp>
         <p:nvSpPr>
-          <p:cNvPr id="11" name="矩形 10">
-            <a:extLst>
-              <a:ext uri="{FF2B5EF4-FFF2-40B4-BE49-F238E27FC236}">
-                <a16:creationId xmlns:a16="http://schemas.microsoft.com/office/drawing/2014/main" id="{0D6B5ABB-2DCE-4668-9F5E-82A71180E81A}"/>
+          <p:cNvPr id="18" name="矩形: 单圆角 17">
+            <a:extLst>
+              <a:ext uri="{FF2B5EF4-FFF2-40B4-BE49-F238E27FC236}">
+                <a16:creationId xmlns:a16="http://schemas.microsoft.com/office/drawing/2014/main" id="{65F7E633-F3C2-4EDA-A5B1-D12C951D2111}"/>
               </a:ext>
             </a:extLst>
           </p:cNvPr>
@@ -5415,11 +5500,13 @@
         </p:nvSpPr>
         <p:spPr>
           <a:xfrm>
-            <a:off x="2680316" y="1133186"/>
-            <a:ext cx="8026401" cy="3647123"/>
+            <a:off x="5726545" y="1974351"/>
+            <a:ext cx="4876800" cy="3111076"/>
           </a:xfrm>
-          <a:prstGeom prst="rect">
-            <a:avLst/>
+          <a:prstGeom prst="round1Rect">
+            <a:avLst>
+              <a:gd name="adj" fmla="val 0"/>
+            </a:avLst>
           </a:prstGeom>
           <a:noFill/>
           <a:ln>
@@ -5451,10 +5538,556 @@
           </a:p>
         </p:txBody>
       </p:sp>
+      <p:sp>
+        <p:nvSpPr>
+          <p:cNvPr id="17" name="矩形: 单圆角 16">
+            <a:extLst>
+              <a:ext uri="{FF2B5EF4-FFF2-40B4-BE49-F238E27FC236}">
+                <a16:creationId xmlns:a16="http://schemas.microsoft.com/office/drawing/2014/main" id="{982BDEEC-3F8A-42D7-A384-7709A456E662}"/>
+              </a:ext>
+            </a:extLst>
+          </p:cNvPr>
+          <p:cNvSpPr/>
+          <p:nvPr/>
+        </p:nvSpPr>
+        <p:spPr>
+          <a:xfrm>
+            <a:off x="587721" y="1968924"/>
+            <a:ext cx="4876800" cy="3111076"/>
+          </a:xfrm>
+          <a:prstGeom prst="round1Rect">
+            <a:avLst>
+              <a:gd name="adj" fmla="val 0"/>
+            </a:avLst>
+          </a:prstGeom>
+          <a:noFill/>
+          <a:ln>
+            <a:noFill/>
+          </a:ln>
+        </p:spPr>
+        <p:style>
+          <a:lnRef idx="2">
+            <a:schemeClr val="accent1">
+              <a:shade val="50000"/>
+            </a:schemeClr>
+          </a:lnRef>
+          <a:fillRef idx="1">
+            <a:schemeClr val="accent1"/>
+          </a:fillRef>
+          <a:effectRef idx="0">
+            <a:schemeClr val="accent1"/>
+          </a:effectRef>
+          <a:fontRef idx="minor">
+            <a:schemeClr val="lt1"/>
+          </a:fontRef>
+        </p:style>
+        <p:txBody>
+          <a:bodyPr rtlCol="0" anchor="ctr"/>
+          <a:lstStyle/>
+          <a:p>
+            <a:pPr algn="ctr"/>
+            <a:endParaRPr lang="zh-CN" altLang="en-US"/>
+          </a:p>
+        </p:txBody>
+      </p:sp>
+      <p:grpSp>
+        <p:nvGrpSpPr>
+          <p:cNvPr id="15" name="组合 14">
+            <a:extLst>
+              <a:ext uri="{FF2B5EF4-FFF2-40B4-BE49-F238E27FC236}">
+                <a16:creationId xmlns:a16="http://schemas.microsoft.com/office/drawing/2014/main" id="{70F7369D-BF63-4921-AD72-7BF3257D6D79}"/>
+              </a:ext>
+            </a:extLst>
+          </p:cNvPr>
+          <p:cNvGrpSpPr/>
+          <p:nvPr/>
+        </p:nvGrpSpPr>
+        <p:grpSpPr>
+          <a:xfrm>
+            <a:off x="849745" y="1610395"/>
+            <a:ext cx="4378036" cy="3288593"/>
+            <a:chOff x="849745" y="1610395"/>
+            <a:chExt cx="4378036" cy="3288593"/>
+          </a:xfrm>
+        </p:grpSpPr>
+        <p:grpSp>
+          <p:nvGrpSpPr>
+            <p:cNvPr id="9" name="组合 8">
+              <a:extLst>
+                <a:ext uri="{FF2B5EF4-FFF2-40B4-BE49-F238E27FC236}">
+                  <a16:creationId xmlns:a16="http://schemas.microsoft.com/office/drawing/2014/main" id="{2AA86D0F-3C61-46FA-8651-69AFB9F905F1}"/>
+                </a:ext>
+              </a:extLst>
+            </p:cNvPr>
+            <p:cNvGrpSpPr/>
+            <p:nvPr/>
+          </p:nvGrpSpPr>
+          <p:grpSpPr>
+            <a:xfrm>
+              <a:off x="849745" y="1610395"/>
+              <a:ext cx="4378036" cy="3288593"/>
+              <a:chOff x="849745" y="1610395"/>
+              <a:chExt cx="4378036" cy="3288593"/>
+            </a:xfrm>
+          </p:grpSpPr>
+          <p:sp>
+            <p:nvSpPr>
+              <p:cNvPr id="8" name="矩形: 圆角 7">
+                <a:extLst>
+                  <a:ext uri="{FF2B5EF4-FFF2-40B4-BE49-F238E27FC236}">
+                    <a16:creationId xmlns:a16="http://schemas.microsoft.com/office/drawing/2014/main" id="{F7380B34-7DC3-4A38-9583-B3571D644235}"/>
+                  </a:ext>
+                </a:extLst>
+              </p:cNvPr>
+              <p:cNvSpPr/>
+              <p:nvPr/>
+            </p:nvSpPr>
+            <p:spPr>
+              <a:xfrm>
+                <a:off x="849745" y="2160791"/>
+                <a:ext cx="4378036" cy="2738197"/>
+              </a:xfrm>
+              <a:prstGeom prst="roundRect">
+                <a:avLst/>
+              </a:prstGeom>
+              <a:solidFill>
+                <a:srgbClr val="1CC09F"/>
+              </a:solidFill>
+              <a:ln>
+                <a:noFill/>
+              </a:ln>
+            </p:spPr>
+            <p:style>
+              <a:lnRef idx="2">
+                <a:schemeClr val="accent1">
+                  <a:shade val="50000"/>
+                </a:schemeClr>
+              </a:lnRef>
+              <a:fillRef idx="1">
+                <a:schemeClr val="accent1"/>
+              </a:fillRef>
+              <a:effectRef idx="0">
+                <a:schemeClr val="accent1"/>
+              </a:effectRef>
+              <a:fontRef idx="minor">
+                <a:schemeClr val="lt1"/>
+              </a:fontRef>
+            </p:style>
+            <p:txBody>
+              <a:bodyPr rtlCol="0" anchor="ctr"/>
+              <a:lstStyle/>
+              <a:p>
+                <a:pPr algn="ctr"/>
+                <a:endParaRPr lang="zh-CN" altLang="en-US"/>
+              </a:p>
+            </p:txBody>
+          </p:sp>
+          <p:pic>
+            <p:nvPicPr>
+              <p:cNvPr id="3" name="图形 2" descr="卡车">
+                <a:extLst>
+                  <a:ext uri="{FF2B5EF4-FFF2-40B4-BE49-F238E27FC236}">
+                    <a16:creationId xmlns:a16="http://schemas.microsoft.com/office/drawing/2014/main" id="{2424DC3D-37D3-49B6-8449-AF975A4AE3EA}"/>
+                  </a:ext>
+                </a:extLst>
+              </p:cNvPr>
+              <p:cNvPicPr>
+                <a:picLocks noChangeAspect="1"/>
+              </p:cNvPicPr>
+              <p:nvPr/>
+            </p:nvPicPr>
+            <p:blipFill>
+              <a:blip r:embed="rId3">
+                <a:extLst>
+                  <a:ext uri="{28A0092B-C50C-407E-A947-70E740481C1C}">
+                    <a14:useLocalDpi xmlns:a14="http://schemas.microsoft.com/office/drawing/2010/main" val="0"/>
+                  </a:ext>
+                  <a:ext uri="{96DAC541-7B7A-43D3-8B79-37D633B846F1}">
+                    <asvg:svgBlip xmlns:asvg="http://schemas.microsoft.com/office/drawing/2016/SVG/main" r:embed="rId4"/>
+                  </a:ext>
+                </a:extLst>
+              </a:blip>
+              <a:stretch>
+                <a:fillRect/>
+              </a:stretch>
+            </p:blipFill>
+            <p:spPr>
+              <a:xfrm>
+                <a:off x="1394466" y="1610395"/>
+                <a:ext cx="3288593" cy="3288593"/>
+              </a:xfrm>
+              <a:prstGeom prst="rect">
+                <a:avLst/>
+              </a:prstGeom>
+            </p:spPr>
+          </p:pic>
+        </p:grpSp>
+        <p:sp>
+          <p:nvSpPr>
+            <p:cNvPr id="13" name="文本框 12">
+              <a:extLst>
+                <a:ext uri="{FF2B5EF4-FFF2-40B4-BE49-F238E27FC236}">
+                  <a16:creationId xmlns:a16="http://schemas.microsoft.com/office/drawing/2014/main" id="{89E88460-F721-4DAA-B3F2-750AF176DC12}"/>
+                </a:ext>
+              </a:extLst>
+            </p:cNvPr>
+            <p:cNvSpPr txBox="1"/>
+            <p:nvPr/>
+          </p:nvSpPr>
+          <p:spPr>
+            <a:xfrm>
+              <a:off x="1910979" y="3912175"/>
+              <a:ext cx="2295363" cy="923330"/>
+            </a:xfrm>
+            <a:prstGeom prst="rect">
+              <a:avLst/>
+            </a:prstGeom>
+            <a:noFill/>
+          </p:spPr>
+          <p:txBody>
+            <a:bodyPr wrap="square" rtlCol="0">
+              <a:spAutoFit/>
+            </a:bodyPr>
+            <a:lstStyle/>
+            <a:p>
+              <a:r>
+                <a:rPr lang="zh-CN" altLang="en-US" sz="5400" b="1" dirty="0">
+                  <a:latin typeface="华康娃娃体W5" panose="040B0509000000000000" pitchFamily="81" charset="-122"/>
+                  <a:ea typeface="华康娃娃体W5" panose="040B0509000000000000" pitchFamily="81" charset="-122"/>
+                </a:rPr>
+                <a:t>配送处</a:t>
+              </a:r>
+            </a:p>
+          </p:txBody>
+        </p:sp>
+      </p:grpSp>
+      <p:grpSp>
+        <p:nvGrpSpPr>
+          <p:cNvPr id="16" name="组合 15">
+            <a:extLst>
+              <a:ext uri="{FF2B5EF4-FFF2-40B4-BE49-F238E27FC236}">
+                <a16:creationId xmlns:a16="http://schemas.microsoft.com/office/drawing/2014/main" id="{68CCA29C-BDF9-4055-8A7C-3852892269E1}"/>
+              </a:ext>
+            </a:extLst>
+          </p:cNvPr>
+          <p:cNvGrpSpPr/>
+          <p:nvPr/>
+        </p:nvGrpSpPr>
+        <p:grpSpPr>
+          <a:xfrm>
+            <a:off x="5985189" y="2034739"/>
+            <a:ext cx="4378036" cy="2855961"/>
+            <a:chOff x="5985189" y="2034739"/>
+            <a:chExt cx="4378036" cy="2855961"/>
+          </a:xfrm>
+        </p:grpSpPr>
+        <p:grpSp>
+          <p:nvGrpSpPr>
+            <p:cNvPr id="12" name="组合 11">
+              <a:extLst>
+                <a:ext uri="{FF2B5EF4-FFF2-40B4-BE49-F238E27FC236}">
+                  <a16:creationId xmlns:a16="http://schemas.microsoft.com/office/drawing/2014/main" id="{AB2BD136-618F-48BA-91BA-EEB215EC0719}"/>
+                </a:ext>
+              </a:extLst>
+            </p:cNvPr>
+            <p:cNvGrpSpPr/>
+            <p:nvPr/>
+          </p:nvGrpSpPr>
+          <p:grpSpPr>
+            <a:xfrm>
+              <a:off x="5985189" y="2034739"/>
+              <a:ext cx="4378036" cy="2855961"/>
+              <a:chOff x="5985189" y="2034739"/>
+              <a:chExt cx="4378036" cy="2855961"/>
+            </a:xfrm>
+          </p:grpSpPr>
+          <p:sp>
+            <p:nvSpPr>
+              <p:cNvPr id="10" name="矩形: 圆角 9">
+                <a:extLst>
+                  <a:ext uri="{FF2B5EF4-FFF2-40B4-BE49-F238E27FC236}">
+                    <a16:creationId xmlns:a16="http://schemas.microsoft.com/office/drawing/2014/main" id="{341112AD-4590-4168-9E52-EF3B5E2053BB}"/>
+                  </a:ext>
+                </a:extLst>
+              </p:cNvPr>
+              <p:cNvSpPr/>
+              <p:nvPr/>
+            </p:nvSpPr>
+            <p:spPr>
+              <a:xfrm>
+                <a:off x="5985189" y="2152503"/>
+                <a:ext cx="4378036" cy="2738197"/>
+              </a:xfrm>
+              <a:prstGeom prst="roundRect">
+                <a:avLst/>
+              </a:prstGeom>
+              <a:solidFill>
+                <a:srgbClr val="1CC09F"/>
+              </a:solidFill>
+              <a:ln>
+                <a:noFill/>
+              </a:ln>
+            </p:spPr>
+            <p:style>
+              <a:lnRef idx="2">
+                <a:schemeClr val="accent1">
+                  <a:shade val="50000"/>
+                </a:schemeClr>
+              </a:lnRef>
+              <a:fillRef idx="1">
+                <a:schemeClr val="accent1"/>
+              </a:fillRef>
+              <a:effectRef idx="0">
+                <a:schemeClr val="accent1"/>
+              </a:effectRef>
+              <a:fontRef idx="minor">
+                <a:schemeClr val="lt1"/>
+              </a:fontRef>
+            </p:style>
+            <p:txBody>
+              <a:bodyPr rtlCol="0" anchor="ctr"/>
+              <a:lstStyle/>
+              <a:p>
+                <a:pPr algn="ctr"/>
+                <a:endParaRPr lang="zh-CN" altLang="en-US"/>
+              </a:p>
+            </p:txBody>
+          </p:sp>
+          <p:pic>
+            <p:nvPicPr>
+              <p:cNvPr id="5" name="图形 4" descr="饼图">
+                <a:extLst>
+                  <a:ext uri="{FF2B5EF4-FFF2-40B4-BE49-F238E27FC236}">
+                    <a16:creationId xmlns:a16="http://schemas.microsoft.com/office/drawing/2014/main" id="{D5B1BA02-8370-4258-92BC-B675975938F4}"/>
+                  </a:ext>
+                </a:extLst>
+              </p:cNvPr>
+              <p:cNvPicPr>
+                <a:picLocks noChangeAspect="1"/>
+              </p:cNvPicPr>
+              <p:nvPr/>
+            </p:nvPicPr>
+            <p:blipFill>
+              <a:blip r:embed="rId5">
+                <a:extLst>
+                  <a:ext uri="{28A0092B-C50C-407E-A947-70E740481C1C}">
+                    <a14:useLocalDpi xmlns:a14="http://schemas.microsoft.com/office/drawing/2010/main" val="0"/>
+                  </a:ext>
+                  <a:ext uri="{96DAC541-7B7A-43D3-8B79-37D633B846F1}">
+                    <asvg:svgBlip xmlns:asvg="http://schemas.microsoft.com/office/drawing/2016/SVG/main" r:embed="rId6"/>
+                  </a:ext>
+                </a:extLst>
+              </a:blip>
+              <a:stretch>
+                <a:fillRect/>
+              </a:stretch>
+            </p:blipFill>
+            <p:spPr>
+              <a:xfrm>
+                <a:off x="7058352" y="2034739"/>
+                <a:ext cx="2274237" cy="2274237"/>
+              </a:xfrm>
+              <a:prstGeom prst="rect">
+                <a:avLst/>
+              </a:prstGeom>
+            </p:spPr>
+          </p:pic>
+        </p:grpSp>
+        <p:sp>
+          <p:nvSpPr>
+            <p:cNvPr id="14" name="文本框 13">
+              <a:extLst>
+                <a:ext uri="{FF2B5EF4-FFF2-40B4-BE49-F238E27FC236}">
+                  <a16:creationId xmlns:a16="http://schemas.microsoft.com/office/drawing/2014/main" id="{2F1669B7-5D89-4C92-B050-6AE7EC4774F7}"/>
+                </a:ext>
+              </a:extLst>
+            </p:cNvPr>
+            <p:cNvSpPr txBox="1"/>
+            <p:nvPr/>
+          </p:nvSpPr>
+          <p:spPr>
+            <a:xfrm>
+              <a:off x="7026525" y="3965075"/>
+              <a:ext cx="2295363" cy="923330"/>
+            </a:xfrm>
+            <a:prstGeom prst="rect">
+              <a:avLst/>
+            </a:prstGeom>
+            <a:noFill/>
+          </p:spPr>
+          <p:txBody>
+            <a:bodyPr wrap="square" rtlCol="0">
+              <a:spAutoFit/>
+            </a:bodyPr>
+            <a:lstStyle/>
+            <a:p>
+              <a:r>
+                <a:rPr lang="zh-CN" altLang="en-US" sz="5400" b="1" dirty="0">
+                  <a:latin typeface="华康娃娃体W5" panose="040B0509000000000000" pitchFamily="81" charset="-122"/>
+                  <a:ea typeface="华康娃娃体W5" panose="040B0509000000000000" pitchFamily="81" charset="-122"/>
+                </a:rPr>
+                <a:t>管理处</a:t>
+              </a:r>
+            </a:p>
+          </p:txBody>
+        </p:sp>
+      </p:grpSp>
     </p:spTree>
     <p:extLst>
       <p:ext uri="{BB962C8B-B14F-4D97-AF65-F5344CB8AC3E}">
         <p14:creationId xmlns:p14="http://schemas.microsoft.com/office/powerpoint/2010/main" val="4278666740"/>
+      </p:ext>
+    </p:extLst>
+  </p:cSld>
+  <p:clrMapOvr>
+    <a:masterClrMapping/>
+  </p:clrMapOvr>
+</p:sld>
+</file>
+
+<file path=ppt/slides/slide7.xml><?xml version="1.0" encoding="utf-8"?>
+<p:sld xmlns:a="http://schemas.openxmlformats.org/drawingml/2006/main" xmlns:r="http://schemas.openxmlformats.org/officeDocument/2006/relationships" xmlns:p="http://schemas.openxmlformats.org/presentationml/2006/main">
+  <p:cSld>
+    <p:spTree>
+      <p:nvGrpSpPr>
+        <p:cNvPr id="1" name=""/>
+        <p:cNvGrpSpPr/>
+        <p:nvPr/>
+      </p:nvGrpSpPr>
+      <p:grpSpPr>
+        <a:xfrm>
+          <a:off x="0" y="0"/>
+          <a:ext cx="0" cy="0"/>
+          <a:chOff x="0" y="0"/>
+          <a:chExt cx="0" cy="0"/>
+        </a:xfrm>
+      </p:grpSpPr>
+      <p:sp>
+        <p:nvSpPr>
+          <p:cNvPr id="17" name="矩形: 单圆角 16">
+            <a:extLst>
+              <a:ext uri="{FF2B5EF4-FFF2-40B4-BE49-F238E27FC236}">
+                <a16:creationId xmlns:a16="http://schemas.microsoft.com/office/drawing/2014/main" id="{982BDEEC-3F8A-42D7-A384-7709A456E662}"/>
+              </a:ext>
+            </a:extLst>
+          </p:cNvPr>
+          <p:cNvSpPr/>
+          <p:nvPr/>
+        </p:nvSpPr>
+        <p:spPr>
+          <a:xfrm>
+            <a:off x="587721" y="1968924"/>
+            <a:ext cx="4876800" cy="3111076"/>
+          </a:xfrm>
+          <a:prstGeom prst="round1Rect">
+            <a:avLst>
+              <a:gd name="adj" fmla="val 0"/>
+            </a:avLst>
+          </a:prstGeom>
+          <a:noFill/>
+          <a:ln>
+            <a:noFill/>
+          </a:ln>
+        </p:spPr>
+        <p:style>
+          <a:lnRef idx="2">
+            <a:schemeClr val="accent1">
+              <a:shade val="50000"/>
+            </a:schemeClr>
+          </a:lnRef>
+          <a:fillRef idx="1">
+            <a:schemeClr val="accent1"/>
+          </a:fillRef>
+          <a:effectRef idx="0">
+            <a:schemeClr val="accent1"/>
+          </a:effectRef>
+          <a:fontRef idx="minor">
+            <a:schemeClr val="lt1"/>
+          </a:fontRef>
+        </p:style>
+        <p:txBody>
+          <a:bodyPr rtlCol="0" anchor="ctr"/>
+          <a:lstStyle/>
+          <a:p>
+            <a:pPr algn="ctr"/>
+            <a:endParaRPr lang="zh-CN" altLang="en-US"/>
+          </a:p>
+        </p:txBody>
+      </p:sp>
+      <p:pic>
+        <p:nvPicPr>
+          <p:cNvPr id="20" name="图片 19">
+            <a:extLst>
+              <a:ext uri="{FF2B5EF4-FFF2-40B4-BE49-F238E27FC236}">
+                <a16:creationId xmlns:a16="http://schemas.microsoft.com/office/drawing/2014/main" id="{EBAA6A6F-ADCD-44D4-A909-1272FEA4B629}"/>
+              </a:ext>
+            </a:extLst>
+          </p:cNvPr>
+          <p:cNvPicPr>
+            <a:picLocks noChangeAspect="1"/>
+          </p:cNvPicPr>
+          <p:nvPr/>
+        </p:nvPicPr>
+        <p:blipFill rotWithShape="1">
+          <a:blip r:embed="rId3">
+            <a:extLst>
+              <a:ext uri="{28A0092B-C50C-407E-A947-70E740481C1C}">
+                <a14:useLocalDpi xmlns:a14="http://schemas.microsoft.com/office/drawing/2010/main" val="0"/>
+              </a:ext>
+            </a:extLst>
+          </a:blip>
+          <a:srcRect l="-5628" t="11094" r="-5628" b="4588"/>
+          <a:stretch/>
+        </p:blipFill>
+        <p:spPr>
+          <a:xfrm>
+            <a:off x="587721" y="0"/>
+            <a:ext cx="4876800" cy="3022599"/>
+          </a:xfrm>
+          <a:prstGeom prst="rect">
+            <a:avLst/>
+          </a:prstGeom>
+        </p:spPr>
+      </p:pic>
+      <p:pic>
+        <p:nvPicPr>
+          <p:cNvPr id="7" name="图片 6">
+            <a:extLst>
+              <a:ext uri="{FF2B5EF4-FFF2-40B4-BE49-F238E27FC236}">
+                <a16:creationId xmlns:a16="http://schemas.microsoft.com/office/drawing/2014/main" id="{C08B5181-BCFF-4A94-A5C8-A6E39740546F}"/>
+              </a:ext>
+            </a:extLst>
+          </p:cNvPr>
+          <p:cNvPicPr>
+            <a:picLocks noChangeAspect="1"/>
+          </p:cNvPicPr>
+          <p:nvPr/>
+        </p:nvPicPr>
+        <p:blipFill rotWithShape="1">
+          <a:blip r:embed="rId4">
+            <a:extLst>
+              <a:ext uri="{28A0092B-C50C-407E-A947-70E740481C1C}">
+                <a14:useLocalDpi xmlns:a14="http://schemas.microsoft.com/office/drawing/2010/main" val="0"/>
+              </a:ext>
+            </a:extLst>
+          </a:blip>
+          <a:srcRect l="-5706" t="-1418" r="-5706" b="7598"/>
+          <a:stretch/>
+        </p:blipFill>
+        <p:spPr>
+          <a:xfrm>
+            <a:off x="587721" y="3148314"/>
+            <a:ext cx="4876800" cy="3022599"/>
+          </a:xfrm>
+          <a:prstGeom prst="rect">
+            <a:avLst/>
+          </a:prstGeom>
+        </p:spPr>
+      </p:pic>
+    </p:spTree>
+    <p:extLst>
+      <p:ext uri="{BB962C8B-B14F-4D97-AF65-F5344CB8AC3E}">
+        <p14:creationId xmlns:p14="http://schemas.microsoft.com/office/powerpoint/2010/main" val="2939371586"/>
       </p:ext>
     </p:extLst>
   </p:cSld>

--- a/FRSYS/static/create_png.pptx
+++ b/FRSYS/static/create_png.pptx
@@ -5,7 +5,7 @@
     <p:sldMasterId id="2147483648" r:id="rId1"/>
   </p:sldMasterIdLst>
   <p:notesMasterIdLst>
-    <p:notesMasterId r:id="rId9"/>
+    <p:notesMasterId r:id="rId11"/>
   </p:notesMasterIdLst>
   <p:sldIdLst>
     <p:sldId id="256" r:id="rId2"/>
@@ -14,7 +14,9 @@
     <p:sldId id="259" r:id="rId5"/>
     <p:sldId id="260" r:id="rId6"/>
     <p:sldId id="261" r:id="rId7"/>
-    <p:sldId id="262" r:id="rId8"/>
+    <p:sldId id="263" r:id="rId8"/>
+    <p:sldId id="264" r:id="rId9"/>
+    <p:sldId id="262" r:id="rId10"/>
   </p:sldIdLst>
   <p:sldSz cx="12192000" cy="6858000"/>
   <p:notesSz cx="6858000" cy="9144000"/>
@@ -203,7 +205,7 @@
           <a:p>
             <a:fld id="{622FD209-266D-4CFA-95EB-8BEF77BDC566}" type="datetimeFigureOut">
               <a:rPr lang="zh-CN" altLang="en-US" smtClean="0"/>
-              <a:t>2022/5/7</a:t>
+              <a:t>2022/5/9</a:t>
             </a:fld>
             <a:endParaRPr lang="zh-CN" altLang="en-US"/>
           </a:p>
@@ -796,6 +798,90 @@
     </p:spTree>
     <p:extLst>
       <p:ext uri="{BB962C8B-B14F-4D97-AF65-F5344CB8AC3E}">
+        <p14:creationId xmlns:p14="http://schemas.microsoft.com/office/powerpoint/2010/main" val="2127167143"/>
+      </p:ext>
+    </p:extLst>
+  </p:cSld>
+  <p:clrMapOvr>
+    <a:masterClrMapping/>
+  </p:clrMapOvr>
+</p:notes>
+</file>
+
+<file path=ppt/notesSlides/notesSlide5.xml><?xml version="1.0" encoding="utf-8"?>
+<p:notes xmlns:a="http://schemas.openxmlformats.org/drawingml/2006/main" xmlns:r="http://schemas.openxmlformats.org/officeDocument/2006/relationships" xmlns:p="http://schemas.openxmlformats.org/presentationml/2006/main">
+  <p:cSld>
+    <p:spTree>
+      <p:nvGrpSpPr>
+        <p:cNvPr id="1" name=""/>
+        <p:cNvGrpSpPr/>
+        <p:nvPr/>
+      </p:nvGrpSpPr>
+      <p:grpSpPr>
+        <a:xfrm>
+          <a:off x="0" y="0"/>
+          <a:ext cx="0" cy="0"/>
+          <a:chOff x="0" y="0"/>
+          <a:chExt cx="0" cy="0"/>
+        </a:xfrm>
+      </p:grpSpPr>
+      <p:sp>
+        <p:nvSpPr>
+          <p:cNvPr id="2" name="幻灯片图像占位符 1"/>
+          <p:cNvSpPr>
+            <a:spLocks noGrp="1" noRot="1" noChangeAspect="1"/>
+          </p:cNvSpPr>
+          <p:nvPr>
+            <p:ph type="sldImg"/>
+          </p:nvPr>
+        </p:nvSpPr>
+        <p:spPr/>
+      </p:sp>
+      <p:sp>
+        <p:nvSpPr>
+          <p:cNvPr id="3" name="备注占位符 2"/>
+          <p:cNvSpPr>
+            <a:spLocks noGrp="1"/>
+          </p:cNvSpPr>
+          <p:nvPr>
+            <p:ph type="body" idx="1"/>
+          </p:nvPr>
+        </p:nvSpPr>
+        <p:spPr/>
+        <p:txBody>
+          <a:bodyPr/>
+          <a:lstStyle/>
+          <a:p>
+            <a:endParaRPr lang="zh-CN" altLang="en-US" dirty="0"/>
+          </a:p>
+        </p:txBody>
+      </p:sp>
+      <p:sp>
+        <p:nvSpPr>
+          <p:cNvPr id="4" name="灯片编号占位符 3"/>
+          <p:cNvSpPr>
+            <a:spLocks noGrp="1"/>
+          </p:cNvSpPr>
+          <p:nvPr>
+            <p:ph type="sldNum" sz="quarter" idx="5"/>
+          </p:nvPr>
+        </p:nvSpPr>
+        <p:spPr/>
+        <p:txBody>
+          <a:bodyPr/>
+          <a:lstStyle/>
+          <a:p>
+            <a:fld id="{289620E5-F1CD-441F-A4CC-EC349032E0BF}" type="slidenum">
+              <a:rPr lang="zh-CN" altLang="en-US" smtClean="0"/>
+              <a:t>9</a:t>
+            </a:fld>
+            <a:endParaRPr lang="zh-CN" altLang="en-US"/>
+          </a:p>
+        </p:txBody>
+      </p:sp>
+    </p:spTree>
+    <p:extLst>
+      <p:ext uri="{BB962C8B-B14F-4D97-AF65-F5344CB8AC3E}">
         <p14:creationId xmlns:p14="http://schemas.microsoft.com/office/powerpoint/2010/main" val="4008089689"/>
       </p:ext>
     </p:extLst>
@@ -953,7 +1039,7 @@
           <a:p>
             <a:fld id="{A1B234E5-1079-4317-BEEF-F9F660E4A9FC}" type="datetimeFigureOut">
               <a:rPr lang="zh-CN" altLang="en-US" smtClean="0"/>
-              <a:t>2022/5/7</a:t>
+              <a:t>2022/5/9</a:t>
             </a:fld>
             <a:endParaRPr lang="zh-CN" altLang="en-US"/>
           </a:p>
@@ -1151,7 +1237,7 @@
           <a:p>
             <a:fld id="{A1B234E5-1079-4317-BEEF-F9F660E4A9FC}" type="datetimeFigureOut">
               <a:rPr lang="zh-CN" altLang="en-US" smtClean="0"/>
-              <a:t>2022/5/7</a:t>
+              <a:t>2022/5/9</a:t>
             </a:fld>
             <a:endParaRPr lang="zh-CN" altLang="en-US"/>
           </a:p>
@@ -1359,7 +1445,7 @@
           <a:p>
             <a:fld id="{A1B234E5-1079-4317-BEEF-F9F660E4A9FC}" type="datetimeFigureOut">
               <a:rPr lang="zh-CN" altLang="en-US" smtClean="0"/>
-              <a:t>2022/5/7</a:t>
+              <a:t>2022/5/9</a:t>
             </a:fld>
             <a:endParaRPr lang="zh-CN" altLang="en-US"/>
           </a:p>
@@ -1557,7 +1643,7 @@
           <a:p>
             <a:fld id="{A1B234E5-1079-4317-BEEF-F9F660E4A9FC}" type="datetimeFigureOut">
               <a:rPr lang="zh-CN" altLang="en-US" smtClean="0"/>
-              <a:t>2022/5/7</a:t>
+              <a:t>2022/5/9</a:t>
             </a:fld>
             <a:endParaRPr lang="zh-CN" altLang="en-US"/>
           </a:p>
@@ -1832,7 +1918,7 @@
           <a:p>
             <a:fld id="{A1B234E5-1079-4317-BEEF-F9F660E4A9FC}" type="datetimeFigureOut">
               <a:rPr lang="zh-CN" altLang="en-US" smtClean="0"/>
-              <a:t>2022/5/7</a:t>
+              <a:t>2022/5/9</a:t>
             </a:fld>
             <a:endParaRPr lang="zh-CN" altLang="en-US"/>
           </a:p>
@@ -2097,7 +2183,7 @@
           <a:p>
             <a:fld id="{A1B234E5-1079-4317-BEEF-F9F660E4A9FC}" type="datetimeFigureOut">
               <a:rPr lang="zh-CN" altLang="en-US" smtClean="0"/>
-              <a:t>2022/5/7</a:t>
+              <a:t>2022/5/9</a:t>
             </a:fld>
             <a:endParaRPr lang="zh-CN" altLang="en-US"/>
           </a:p>
@@ -2509,7 +2595,7 @@
           <a:p>
             <a:fld id="{A1B234E5-1079-4317-BEEF-F9F660E4A9FC}" type="datetimeFigureOut">
               <a:rPr lang="zh-CN" altLang="en-US" smtClean="0"/>
-              <a:t>2022/5/7</a:t>
+              <a:t>2022/5/9</a:t>
             </a:fld>
             <a:endParaRPr lang="zh-CN" altLang="en-US"/>
           </a:p>
@@ -2650,7 +2736,7 @@
           <a:p>
             <a:fld id="{A1B234E5-1079-4317-BEEF-F9F660E4A9FC}" type="datetimeFigureOut">
               <a:rPr lang="zh-CN" altLang="en-US" smtClean="0"/>
-              <a:t>2022/5/7</a:t>
+              <a:t>2022/5/9</a:t>
             </a:fld>
             <a:endParaRPr lang="zh-CN" altLang="en-US"/>
           </a:p>
@@ -2763,7 +2849,7 @@
           <a:p>
             <a:fld id="{A1B234E5-1079-4317-BEEF-F9F660E4A9FC}" type="datetimeFigureOut">
               <a:rPr lang="zh-CN" altLang="en-US" smtClean="0"/>
-              <a:t>2022/5/7</a:t>
+              <a:t>2022/5/9</a:t>
             </a:fld>
             <a:endParaRPr lang="zh-CN" altLang="en-US"/>
           </a:p>
@@ -3074,7 +3160,7 @@
           <a:p>
             <a:fld id="{A1B234E5-1079-4317-BEEF-F9F660E4A9FC}" type="datetimeFigureOut">
               <a:rPr lang="zh-CN" altLang="en-US" smtClean="0"/>
-              <a:t>2022/5/7</a:t>
+              <a:t>2022/5/9</a:t>
             </a:fld>
             <a:endParaRPr lang="zh-CN" altLang="en-US"/>
           </a:p>
@@ -3362,7 +3448,7 @@
           <a:p>
             <a:fld id="{A1B234E5-1079-4317-BEEF-F9F660E4A9FC}" type="datetimeFigureOut">
               <a:rPr lang="zh-CN" altLang="en-US" smtClean="0"/>
-              <a:t>2022/5/7</a:t>
+              <a:t>2022/5/9</a:t>
             </a:fld>
             <a:endParaRPr lang="zh-CN" altLang="en-US"/>
           </a:p>
@@ -3603,7 +3689,7 @@
           <a:p>
             <a:fld id="{A1B234E5-1079-4317-BEEF-F9F660E4A9FC}" type="datetimeFigureOut">
               <a:rPr lang="zh-CN" altLang="en-US" smtClean="0"/>
-              <a:t>2022/5/7</a:t>
+              <a:t>2022/5/9</a:t>
             </a:fld>
             <a:endParaRPr lang="zh-CN" altLang="en-US"/>
           </a:p>
@@ -5946,6 +6032,874 @@
 </file>
 
 <file path=ppt/slides/slide7.xml><?xml version="1.0" encoding="utf-8"?>
+<p:sld xmlns:a="http://schemas.openxmlformats.org/drawingml/2006/main" xmlns:r="http://schemas.openxmlformats.org/officeDocument/2006/relationships" xmlns:p="http://schemas.openxmlformats.org/presentationml/2006/main">
+  <p:cSld>
+    <p:spTree>
+      <p:nvGrpSpPr>
+        <p:cNvPr id="1" name=""/>
+        <p:cNvGrpSpPr/>
+        <p:nvPr/>
+      </p:nvGrpSpPr>
+      <p:grpSpPr>
+        <a:xfrm>
+          <a:off x="0" y="0"/>
+          <a:ext cx="0" cy="0"/>
+          <a:chOff x="0" y="0"/>
+          <a:chExt cx="0" cy="0"/>
+        </a:xfrm>
+      </p:grpSpPr>
+      <p:sp>
+        <p:nvSpPr>
+          <p:cNvPr id="17" name="矩形: 单圆角 16">
+            <a:extLst>
+              <a:ext uri="{FF2B5EF4-FFF2-40B4-BE49-F238E27FC236}">
+                <a16:creationId xmlns:a16="http://schemas.microsoft.com/office/drawing/2014/main" id="{982BDEEC-3F8A-42D7-A384-7709A456E662}"/>
+              </a:ext>
+            </a:extLst>
+          </p:cNvPr>
+          <p:cNvSpPr/>
+          <p:nvPr/>
+        </p:nvSpPr>
+        <p:spPr>
+          <a:xfrm>
+            <a:off x="368729" y="418813"/>
+            <a:ext cx="4876800" cy="3111076"/>
+          </a:xfrm>
+          <a:prstGeom prst="round1Rect">
+            <a:avLst>
+              <a:gd name="adj" fmla="val 0"/>
+            </a:avLst>
+          </a:prstGeom>
+          <a:noFill/>
+          <a:ln>
+            <a:noFill/>
+          </a:ln>
+        </p:spPr>
+        <p:style>
+          <a:lnRef idx="2">
+            <a:schemeClr val="accent1">
+              <a:shade val="50000"/>
+            </a:schemeClr>
+          </a:lnRef>
+          <a:fillRef idx="1">
+            <a:schemeClr val="accent1"/>
+          </a:fillRef>
+          <a:effectRef idx="0">
+            <a:schemeClr val="accent1"/>
+          </a:effectRef>
+          <a:fontRef idx="minor">
+            <a:schemeClr val="lt1"/>
+          </a:fontRef>
+        </p:style>
+        <p:txBody>
+          <a:bodyPr rtlCol="0" anchor="ctr"/>
+          <a:lstStyle/>
+          <a:p>
+            <a:pPr algn="ctr"/>
+            <a:endParaRPr lang="zh-CN" altLang="en-US"/>
+          </a:p>
+        </p:txBody>
+      </p:sp>
+      <p:grpSp>
+        <p:nvGrpSpPr>
+          <p:cNvPr id="15" name="组合 14">
+            <a:extLst>
+              <a:ext uri="{FF2B5EF4-FFF2-40B4-BE49-F238E27FC236}">
+                <a16:creationId xmlns:a16="http://schemas.microsoft.com/office/drawing/2014/main" id="{70F7369D-BF63-4921-AD72-7BF3257D6D79}"/>
+              </a:ext>
+            </a:extLst>
+          </p:cNvPr>
+          <p:cNvGrpSpPr/>
+          <p:nvPr/>
+        </p:nvGrpSpPr>
+        <p:grpSpPr>
+          <a:xfrm>
+            <a:off x="765579" y="781036"/>
+            <a:ext cx="5286042" cy="3048099"/>
+            <a:chOff x="739861" y="2152503"/>
+            <a:chExt cx="5224200" cy="2746485"/>
+          </a:xfrm>
+        </p:grpSpPr>
+        <p:sp>
+          <p:nvSpPr>
+            <p:cNvPr id="8" name="矩形: 圆角 7">
+              <a:extLst>
+                <a:ext uri="{FF2B5EF4-FFF2-40B4-BE49-F238E27FC236}">
+                  <a16:creationId xmlns:a16="http://schemas.microsoft.com/office/drawing/2014/main" id="{F7380B34-7DC3-4A38-9583-B3571D644235}"/>
+                </a:ext>
+              </a:extLst>
+            </p:cNvPr>
+            <p:cNvSpPr/>
+            <p:nvPr/>
+          </p:nvSpPr>
+          <p:spPr>
+            <a:xfrm>
+              <a:off x="739861" y="2152503"/>
+              <a:ext cx="5114316" cy="2746485"/>
+            </a:xfrm>
+            <a:prstGeom prst="roundRect">
+              <a:avLst/>
+            </a:prstGeom>
+            <a:solidFill>
+              <a:srgbClr val="1CC09F"/>
+            </a:solidFill>
+            <a:ln>
+              <a:noFill/>
+            </a:ln>
+          </p:spPr>
+          <p:style>
+            <a:lnRef idx="2">
+              <a:schemeClr val="accent1">
+                <a:shade val="50000"/>
+              </a:schemeClr>
+            </a:lnRef>
+            <a:fillRef idx="1">
+              <a:schemeClr val="accent1"/>
+            </a:fillRef>
+            <a:effectRef idx="0">
+              <a:schemeClr val="accent1"/>
+            </a:effectRef>
+            <a:fontRef idx="minor">
+              <a:schemeClr val="lt1"/>
+            </a:fontRef>
+          </p:style>
+          <p:txBody>
+            <a:bodyPr rtlCol="0" anchor="ctr"/>
+            <a:lstStyle/>
+            <a:p>
+              <a:pPr algn="ctr"/>
+              <a:endParaRPr lang="zh-CN" altLang="en-US"/>
+            </a:p>
+          </p:txBody>
+        </p:sp>
+        <p:sp>
+          <p:nvSpPr>
+            <p:cNvPr id="13" name="文本框 12">
+              <a:extLst>
+                <a:ext uri="{FF2B5EF4-FFF2-40B4-BE49-F238E27FC236}">
+                  <a16:creationId xmlns:a16="http://schemas.microsoft.com/office/drawing/2014/main" id="{89E88460-F721-4DAA-B3F2-750AF176DC12}"/>
+                </a:ext>
+              </a:extLst>
+            </p:cNvPr>
+            <p:cNvSpPr txBox="1"/>
+            <p:nvPr/>
+          </p:nvSpPr>
+          <p:spPr>
+            <a:xfrm>
+              <a:off x="849744" y="3912176"/>
+              <a:ext cx="5114317" cy="831965"/>
+            </a:xfrm>
+            <a:prstGeom prst="rect">
+              <a:avLst/>
+            </a:prstGeom>
+            <a:noFill/>
+          </p:spPr>
+          <p:txBody>
+            <a:bodyPr wrap="square" rtlCol="0">
+              <a:spAutoFit/>
+            </a:bodyPr>
+            <a:lstStyle/>
+            <a:p>
+              <a:r>
+                <a:rPr lang="zh-CN" altLang="en-US" sz="5400" b="1" dirty="0">
+                  <a:latin typeface="华康娃娃体W5" panose="040B0509000000000000" pitchFamily="81" charset="-122"/>
+                  <a:ea typeface="华康娃娃体W5" panose="040B0509000000000000"/>
+                </a:rPr>
+                <a:t>管理供应商信息</a:t>
+              </a:r>
+            </a:p>
+          </p:txBody>
+        </p:sp>
+      </p:grpSp>
+      <p:pic>
+        <p:nvPicPr>
+          <p:cNvPr id="4" name="图形 3" descr="员工徽章">
+            <a:extLst>
+              <a:ext uri="{FF2B5EF4-FFF2-40B4-BE49-F238E27FC236}">
+                <a16:creationId xmlns:a16="http://schemas.microsoft.com/office/drawing/2014/main" id="{70B17090-F3D2-4A92-AD61-DD08A0F9DDF0}"/>
+              </a:ext>
+            </a:extLst>
+          </p:cNvPr>
+          <p:cNvPicPr>
+            <a:picLocks noChangeAspect="1"/>
+          </p:cNvPicPr>
+          <p:nvPr/>
+        </p:nvPicPr>
+        <p:blipFill>
+          <a:blip r:embed="rId3">
+            <a:extLst>
+              <a:ext uri="{28A0092B-C50C-407E-A947-70E740481C1C}">
+                <a14:useLocalDpi xmlns:a14="http://schemas.microsoft.com/office/drawing/2010/main" val="0"/>
+              </a:ext>
+              <a:ext uri="{96DAC541-7B7A-43D3-8B79-37D633B846F1}">
+                <asvg:svgBlip xmlns:asvg="http://schemas.microsoft.com/office/drawing/2016/SVG/main" r:embed="rId4"/>
+              </a:ext>
+            </a:extLst>
+          </a:blip>
+          <a:stretch>
+            <a:fillRect/>
+          </a:stretch>
+        </p:blipFill>
+        <p:spPr>
+          <a:xfrm>
+            <a:off x="1777402" y="546246"/>
+            <a:ext cx="3222599" cy="2477174"/>
+          </a:xfrm>
+          <a:prstGeom prst="rect">
+            <a:avLst/>
+          </a:prstGeom>
+        </p:spPr>
+      </p:pic>
+      <p:sp>
+        <p:nvSpPr>
+          <p:cNvPr id="24" name="矩形: 圆角 23">
+            <a:extLst>
+              <a:ext uri="{FF2B5EF4-FFF2-40B4-BE49-F238E27FC236}">
+                <a16:creationId xmlns:a16="http://schemas.microsoft.com/office/drawing/2014/main" id="{148FBEA8-8056-424E-B5A8-7208F670810C}"/>
+              </a:ext>
+            </a:extLst>
+          </p:cNvPr>
+          <p:cNvSpPr/>
+          <p:nvPr/>
+        </p:nvSpPr>
+        <p:spPr>
+          <a:xfrm>
+            <a:off x="765579" y="3944462"/>
+            <a:ext cx="5174857" cy="3127012"/>
+          </a:xfrm>
+          <a:prstGeom prst="roundRect">
+            <a:avLst/>
+          </a:prstGeom>
+          <a:solidFill>
+            <a:srgbClr val="1CC09F"/>
+          </a:solidFill>
+          <a:ln>
+            <a:noFill/>
+          </a:ln>
+        </p:spPr>
+        <p:style>
+          <a:lnRef idx="2">
+            <a:schemeClr val="accent1">
+              <a:shade val="50000"/>
+            </a:schemeClr>
+          </a:lnRef>
+          <a:fillRef idx="1">
+            <a:schemeClr val="accent1"/>
+          </a:fillRef>
+          <a:effectRef idx="0">
+            <a:schemeClr val="accent1"/>
+          </a:effectRef>
+          <a:fontRef idx="minor">
+            <a:schemeClr val="lt1"/>
+          </a:fontRef>
+        </p:style>
+        <p:txBody>
+          <a:bodyPr rtlCol="0" anchor="ctr"/>
+          <a:lstStyle/>
+          <a:p>
+            <a:pPr algn="ctr"/>
+            <a:endParaRPr lang="zh-CN" altLang="en-US"/>
+          </a:p>
+        </p:txBody>
+      </p:sp>
+      <p:sp>
+        <p:nvSpPr>
+          <p:cNvPr id="18" name="矩形: 单圆角 17">
+            <a:extLst>
+              <a:ext uri="{FF2B5EF4-FFF2-40B4-BE49-F238E27FC236}">
+                <a16:creationId xmlns:a16="http://schemas.microsoft.com/office/drawing/2014/main" id="{65F7E633-F3C2-4EDA-A5B1-D12C951D2111}"/>
+              </a:ext>
+            </a:extLst>
+          </p:cNvPr>
+          <p:cNvSpPr/>
+          <p:nvPr/>
+        </p:nvSpPr>
+        <p:spPr>
+          <a:xfrm>
+            <a:off x="884219" y="3764679"/>
+            <a:ext cx="4876800" cy="3191619"/>
+          </a:xfrm>
+          <a:prstGeom prst="round1Rect">
+            <a:avLst>
+              <a:gd name="adj" fmla="val 0"/>
+            </a:avLst>
+          </a:prstGeom>
+          <a:noFill/>
+          <a:ln>
+            <a:noFill/>
+          </a:ln>
+        </p:spPr>
+        <p:style>
+          <a:lnRef idx="2">
+            <a:schemeClr val="accent1">
+              <a:shade val="50000"/>
+            </a:schemeClr>
+          </a:lnRef>
+          <a:fillRef idx="1">
+            <a:schemeClr val="accent1"/>
+          </a:fillRef>
+          <a:effectRef idx="0">
+            <a:schemeClr val="accent1"/>
+          </a:effectRef>
+          <a:fontRef idx="minor">
+            <a:schemeClr val="lt1"/>
+          </a:fontRef>
+        </p:style>
+        <p:txBody>
+          <a:bodyPr rtlCol="0" anchor="ctr"/>
+          <a:lstStyle/>
+          <a:p>
+            <a:pPr algn="ctr"/>
+            <a:endParaRPr lang="zh-CN" altLang="en-US"/>
+          </a:p>
+        </p:txBody>
+      </p:sp>
+      <p:sp>
+        <p:nvSpPr>
+          <p:cNvPr id="14" name="文本框 13">
+            <a:extLst>
+              <a:ext uri="{FF2B5EF4-FFF2-40B4-BE49-F238E27FC236}">
+                <a16:creationId xmlns:a16="http://schemas.microsoft.com/office/drawing/2014/main" id="{2F1669B7-5D89-4C92-B050-6AE7EC4774F7}"/>
+              </a:ext>
+            </a:extLst>
+          </p:cNvPr>
+          <p:cNvSpPr txBox="1"/>
+          <p:nvPr/>
+        </p:nvSpPr>
+        <p:spPr>
+          <a:xfrm>
+            <a:off x="1163991" y="5819439"/>
+            <a:ext cx="4378035" cy="923330"/>
+          </a:xfrm>
+          <a:prstGeom prst="rect">
+            <a:avLst/>
+          </a:prstGeom>
+          <a:noFill/>
+        </p:spPr>
+        <p:txBody>
+          <a:bodyPr wrap="square" rtlCol="0">
+            <a:spAutoFit/>
+          </a:bodyPr>
+          <a:lstStyle/>
+          <a:p>
+            <a:r>
+              <a:rPr lang="zh-CN" altLang="en-US" sz="5400" b="1" dirty="0">
+                <a:latin typeface="华康娃娃体W5" panose="040B0509000000000000" pitchFamily="81" charset="-122"/>
+                <a:ea typeface="华康娃娃体W5" panose="040B0509000000000000" pitchFamily="81" charset="-122"/>
+              </a:rPr>
+              <a:t>制定采购决策</a:t>
+            </a:r>
+          </a:p>
+        </p:txBody>
+      </p:sp>
+      <p:pic>
+        <p:nvPicPr>
+          <p:cNvPr id="26" name="图形 25" descr="清单演示文稿 RTL">
+            <a:extLst>
+              <a:ext uri="{FF2B5EF4-FFF2-40B4-BE49-F238E27FC236}">
+                <a16:creationId xmlns:a16="http://schemas.microsoft.com/office/drawing/2014/main" id="{E88AA1A5-36C4-4DEE-82AD-1BD117AB537B}"/>
+              </a:ext>
+            </a:extLst>
+          </p:cNvPr>
+          <p:cNvPicPr>
+            <a:picLocks noChangeAspect="1"/>
+          </p:cNvPicPr>
+          <p:nvPr/>
+        </p:nvPicPr>
+        <p:blipFill>
+          <a:blip r:embed="rId5">
+            <a:extLst>
+              <a:ext uri="{28A0092B-C50C-407E-A947-70E740481C1C}">
+                <a14:useLocalDpi xmlns:a14="http://schemas.microsoft.com/office/drawing/2010/main" val="0"/>
+              </a:ext>
+              <a:ext uri="{96DAC541-7B7A-43D3-8B79-37D633B846F1}">
+                <asvg:svgBlip xmlns:asvg="http://schemas.microsoft.com/office/drawing/2016/SVG/main" r:embed="rId6"/>
+              </a:ext>
+            </a:extLst>
+          </a:blip>
+          <a:stretch>
+            <a:fillRect/>
+          </a:stretch>
+        </p:blipFill>
+        <p:spPr>
+          <a:xfrm>
+            <a:off x="1741707" y="3788584"/>
+            <a:ext cx="3222599" cy="2244345"/>
+          </a:xfrm>
+          <a:prstGeom prst="rect">
+            <a:avLst/>
+          </a:prstGeom>
+        </p:spPr>
+      </p:pic>
+    </p:spTree>
+    <p:extLst>
+      <p:ext uri="{BB962C8B-B14F-4D97-AF65-F5344CB8AC3E}">
+        <p14:creationId xmlns:p14="http://schemas.microsoft.com/office/powerpoint/2010/main" val="2297581048"/>
+      </p:ext>
+    </p:extLst>
+  </p:cSld>
+  <p:clrMapOvr>
+    <a:masterClrMapping/>
+  </p:clrMapOvr>
+</p:sld>
+</file>
+
+<file path=ppt/slides/slide8.xml><?xml version="1.0" encoding="utf-8"?>
+<p:sld xmlns:a="http://schemas.openxmlformats.org/drawingml/2006/main" xmlns:r="http://schemas.openxmlformats.org/officeDocument/2006/relationships" xmlns:p="http://schemas.openxmlformats.org/presentationml/2006/main">
+  <p:cSld>
+    <p:spTree>
+      <p:nvGrpSpPr>
+        <p:cNvPr id="1" name=""/>
+        <p:cNvGrpSpPr/>
+        <p:nvPr/>
+      </p:nvGrpSpPr>
+      <p:grpSpPr>
+        <a:xfrm>
+          <a:off x="0" y="0"/>
+          <a:ext cx="0" cy="0"/>
+          <a:chOff x="0" y="0"/>
+          <a:chExt cx="0" cy="0"/>
+        </a:xfrm>
+      </p:grpSpPr>
+      <p:grpSp>
+        <p:nvGrpSpPr>
+          <p:cNvPr id="9" name="组合 8">
+            <a:extLst>
+              <a:ext uri="{FF2B5EF4-FFF2-40B4-BE49-F238E27FC236}">
+                <a16:creationId xmlns:a16="http://schemas.microsoft.com/office/drawing/2014/main" id="{F3ED55F5-4EBC-403C-AF88-5EAF5FDCADF2}"/>
+              </a:ext>
+            </a:extLst>
+          </p:cNvPr>
+          <p:cNvGrpSpPr/>
+          <p:nvPr/>
+        </p:nvGrpSpPr>
+        <p:grpSpPr>
+          <a:xfrm>
+            <a:off x="1657591" y="1452404"/>
+            <a:ext cx="5286042" cy="3282890"/>
+            <a:chOff x="2500498" y="705774"/>
+            <a:chExt cx="5286042" cy="3549979"/>
+          </a:xfrm>
+        </p:grpSpPr>
+        <p:sp>
+          <p:nvSpPr>
+            <p:cNvPr id="4" name="矩形: 单圆角 3">
+              <a:extLst>
+                <a:ext uri="{FF2B5EF4-FFF2-40B4-BE49-F238E27FC236}">
+                  <a16:creationId xmlns:a16="http://schemas.microsoft.com/office/drawing/2014/main" id="{BDA3F587-757E-4756-A5CC-02D6AA977B68}"/>
+                </a:ext>
+              </a:extLst>
+            </p:cNvPr>
+            <p:cNvSpPr/>
+            <p:nvPr/>
+          </p:nvSpPr>
+          <p:spPr>
+            <a:xfrm>
+              <a:off x="2678296" y="1144677"/>
+              <a:ext cx="4876800" cy="3111076"/>
+            </a:xfrm>
+            <a:prstGeom prst="round1Rect">
+              <a:avLst>
+                <a:gd name="adj" fmla="val 0"/>
+              </a:avLst>
+            </a:prstGeom>
+            <a:noFill/>
+            <a:ln>
+              <a:noFill/>
+            </a:ln>
+          </p:spPr>
+          <p:style>
+            <a:lnRef idx="2">
+              <a:schemeClr val="accent1">
+                <a:shade val="50000"/>
+              </a:schemeClr>
+            </a:lnRef>
+            <a:fillRef idx="1">
+              <a:schemeClr val="accent1"/>
+            </a:fillRef>
+            <a:effectRef idx="0">
+              <a:schemeClr val="accent1"/>
+            </a:effectRef>
+            <a:fontRef idx="minor">
+              <a:schemeClr val="lt1"/>
+            </a:fontRef>
+          </p:style>
+          <p:txBody>
+            <a:bodyPr rtlCol="0" anchor="ctr"/>
+            <a:lstStyle/>
+            <a:p>
+              <a:pPr algn="ctr"/>
+              <a:endParaRPr lang="zh-CN" altLang="en-US"/>
+            </a:p>
+          </p:txBody>
+        </p:sp>
+        <p:grpSp>
+          <p:nvGrpSpPr>
+            <p:cNvPr id="5" name="组合 4">
+              <a:extLst>
+                <a:ext uri="{FF2B5EF4-FFF2-40B4-BE49-F238E27FC236}">
+                  <a16:creationId xmlns:a16="http://schemas.microsoft.com/office/drawing/2014/main" id="{F87090C7-74A5-4B78-8C79-9757153AF987}"/>
+                </a:ext>
+              </a:extLst>
+            </p:cNvPr>
+            <p:cNvGrpSpPr/>
+            <p:nvPr/>
+          </p:nvGrpSpPr>
+          <p:grpSpPr>
+            <a:xfrm>
+              <a:off x="2500498" y="705774"/>
+              <a:ext cx="5286042" cy="3549978"/>
+              <a:chOff x="739861" y="1999290"/>
+              <a:chExt cx="5224200" cy="3198702"/>
+            </a:xfrm>
+          </p:grpSpPr>
+          <p:sp>
+            <p:nvSpPr>
+              <p:cNvPr id="6" name="矩形: 圆角 5">
+                <a:extLst>
+                  <a:ext uri="{FF2B5EF4-FFF2-40B4-BE49-F238E27FC236}">
+                    <a16:creationId xmlns:a16="http://schemas.microsoft.com/office/drawing/2014/main" id="{4B2D7744-C0E2-424B-8D40-CED104E71C89}"/>
+                  </a:ext>
+                </a:extLst>
+              </p:cNvPr>
+              <p:cNvSpPr/>
+              <p:nvPr/>
+            </p:nvSpPr>
+            <p:spPr>
+              <a:xfrm>
+                <a:off x="739861" y="1999290"/>
+                <a:ext cx="5224200" cy="3198702"/>
+              </a:xfrm>
+              <a:prstGeom prst="roundRect">
+                <a:avLst/>
+              </a:prstGeom>
+              <a:solidFill>
+                <a:srgbClr val="1CC09F"/>
+              </a:solidFill>
+              <a:ln>
+                <a:noFill/>
+              </a:ln>
+            </p:spPr>
+            <p:style>
+              <a:lnRef idx="2">
+                <a:schemeClr val="accent1">
+                  <a:shade val="50000"/>
+                </a:schemeClr>
+              </a:lnRef>
+              <a:fillRef idx="1">
+                <a:schemeClr val="accent1"/>
+              </a:fillRef>
+              <a:effectRef idx="0">
+                <a:schemeClr val="accent1"/>
+              </a:effectRef>
+              <a:fontRef idx="minor">
+                <a:schemeClr val="lt1"/>
+              </a:fontRef>
+            </p:style>
+            <p:txBody>
+              <a:bodyPr rtlCol="0" anchor="ctr"/>
+              <a:lstStyle/>
+              <a:p>
+                <a:pPr algn="ctr"/>
+                <a:endParaRPr lang="zh-CN" altLang="en-US" dirty="0"/>
+              </a:p>
+            </p:txBody>
+          </p:sp>
+          <p:sp>
+            <p:nvSpPr>
+              <p:cNvPr id="7" name="文本框 6">
+                <a:extLst>
+                  <a:ext uri="{FF2B5EF4-FFF2-40B4-BE49-F238E27FC236}">
+                    <a16:creationId xmlns:a16="http://schemas.microsoft.com/office/drawing/2014/main" id="{F276DE9E-02E0-46C4-9EF0-D0E65F2BD13F}"/>
+                  </a:ext>
+                </a:extLst>
+              </p:cNvPr>
+              <p:cNvSpPr txBox="1"/>
+              <p:nvPr/>
+            </p:nvSpPr>
+            <p:spPr>
+              <a:xfrm>
+                <a:off x="849744" y="3912176"/>
+                <a:ext cx="5114317" cy="831965"/>
+              </a:xfrm>
+              <a:prstGeom prst="rect">
+                <a:avLst/>
+              </a:prstGeom>
+              <a:noFill/>
+            </p:spPr>
+            <p:txBody>
+              <a:bodyPr wrap="square" rtlCol="0">
+                <a:spAutoFit/>
+              </a:bodyPr>
+              <a:lstStyle/>
+              <a:p>
+                <a:r>
+                  <a:rPr lang="zh-CN" altLang="en-US" sz="5400" b="1" dirty="0">
+                    <a:latin typeface="华康娃娃体W5" panose="040B0509000000000000" pitchFamily="81" charset="-122"/>
+                    <a:ea typeface="华康娃娃体W5" panose="040B0509000000000000"/>
+                  </a:rPr>
+                  <a:t>管理供应商信息</a:t>
+                </a:r>
+              </a:p>
+            </p:txBody>
+          </p:sp>
+        </p:grpSp>
+        <p:pic>
+          <p:nvPicPr>
+            <p:cNvPr id="8" name="图形 7" descr="员工徽章">
+              <a:extLst>
+                <a:ext uri="{FF2B5EF4-FFF2-40B4-BE49-F238E27FC236}">
+                  <a16:creationId xmlns:a16="http://schemas.microsoft.com/office/drawing/2014/main" id="{DC3221C1-C74E-4AF0-916C-8A62BF151076}"/>
+                </a:ext>
+              </a:extLst>
+            </p:cNvPr>
+            <p:cNvPicPr>
+              <a:picLocks noChangeAspect="1"/>
+            </p:cNvPicPr>
+            <p:nvPr/>
+          </p:nvPicPr>
+          <p:blipFill>
+            <a:blip r:embed="rId2">
+              <a:extLst>
+                <a:ext uri="{28A0092B-C50C-407E-A947-70E740481C1C}">
+                  <a14:useLocalDpi xmlns:a14="http://schemas.microsoft.com/office/drawing/2010/main" val="0"/>
+                </a:ext>
+                <a:ext uri="{96DAC541-7B7A-43D3-8B79-37D633B846F1}">
+                  <asvg:svgBlip xmlns:asvg="http://schemas.microsoft.com/office/drawing/2016/SVG/main" r:embed="rId3"/>
+                </a:ext>
+              </a:extLst>
+            </a:blip>
+            <a:stretch>
+              <a:fillRect/>
+            </a:stretch>
+          </p:blipFill>
+          <p:spPr>
+            <a:xfrm>
+              <a:off x="3512321" y="705774"/>
+              <a:ext cx="3222599" cy="2412422"/>
+            </a:xfrm>
+            <a:prstGeom prst="rect">
+              <a:avLst/>
+            </a:prstGeom>
+          </p:spPr>
+        </p:pic>
+      </p:grpSp>
+      <p:grpSp>
+        <p:nvGrpSpPr>
+          <p:cNvPr id="15" name="组合 14">
+            <a:extLst>
+              <a:ext uri="{FF2B5EF4-FFF2-40B4-BE49-F238E27FC236}">
+                <a16:creationId xmlns:a16="http://schemas.microsoft.com/office/drawing/2014/main" id="{C047C089-E825-429B-8312-CAC8CFAF04EB}"/>
+              </a:ext>
+            </a:extLst>
+          </p:cNvPr>
+          <p:cNvGrpSpPr/>
+          <p:nvPr/>
+        </p:nvGrpSpPr>
+        <p:grpSpPr>
+          <a:xfrm>
+            <a:off x="7121431" y="1452403"/>
+            <a:ext cx="5286042" cy="3282889"/>
+            <a:chOff x="595736" y="3764679"/>
+            <a:chExt cx="5277928" cy="3347641"/>
+          </a:xfrm>
+        </p:grpSpPr>
+        <p:sp>
+          <p:nvSpPr>
+            <p:cNvPr id="16" name="矩形: 圆角 15">
+              <a:extLst>
+                <a:ext uri="{FF2B5EF4-FFF2-40B4-BE49-F238E27FC236}">
+                  <a16:creationId xmlns:a16="http://schemas.microsoft.com/office/drawing/2014/main" id="{D4437A01-EFBB-4859-AFD3-E80F3C50BD7B}"/>
+                </a:ext>
+              </a:extLst>
+            </p:cNvPr>
+            <p:cNvSpPr/>
+            <p:nvPr/>
+          </p:nvSpPr>
+          <p:spPr>
+            <a:xfrm>
+              <a:off x="595736" y="3764679"/>
+              <a:ext cx="5277928" cy="3347641"/>
+            </a:xfrm>
+            <a:prstGeom prst="roundRect">
+              <a:avLst/>
+            </a:prstGeom>
+            <a:solidFill>
+              <a:srgbClr val="1CC09F"/>
+            </a:solidFill>
+            <a:ln>
+              <a:noFill/>
+            </a:ln>
+          </p:spPr>
+          <p:style>
+            <a:lnRef idx="2">
+              <a:schemeClr val="accent1">
+                <a:shade val="50000"/>
+              </a:schemeClr>
+            </a:lnRef>
+            <a:fillRef idx="1">
+              <a:schemeClr val="accent1"/>
+            </a:fillRef>
+            <a:effectRef idx="0">
+              <a:schemeClr val="accent1"/>
+            </a:effectRef>
+            <a:fontRef idx="minor">
+              <a:schemeClr val="lt1"/>
+            </a:fontRef>
+          </p:style>
+          <p:txBody>
+            <a:bodyPr rtlCol="0" anchor="ctr"/>
+            <a:lstStyle/>
+            <a:p>
+              <a:pPr algn="ctr"/>
+              <a:endParaRPr lang="zh-CN" altLang="en-US" dirty="0"/>
+            </a:p>
+          </p:txBody>
+        </p:sp>
+        <p:sp>
+          <p:nvSpPr>
+            <p:cNvPr id="17" name="矩形: 单圆角 16">
+              <a:extLst>
+                <a:ext uri="{FF2B5EF4-FFF2-40B4-BE49-F238E27FC236}">
+                  <a16:creationId xmlns:a16="http://schemas.microsoft.com/office/drawing/2014/main" id="{859F2A27-D4AB-4981-A1D6-9D15EE0C3639}"/>
+                </a:ext>
+              </a:extLst>
+            </p:cNvPr>
+            <p:cNvSpPr/>
+            <p:nvPr/>
+          </p:nvSpPr>
+          <p:spPr>
+            <a:xfrm>
+              <a:off x="884219" y="3764679"/>
+              <a:ext cx="4876800" cy="3191619"/>
+            </a:xfrm>
+            <a:prstGeom prst="round1Rect">
+              <a:avLst>
+                <a:gd name="adj" fmla="val 0"/>
+              </a:avLst>
+            </a:prstGeom>
+            <a:noFill/>
+            <a:ln>
+              <a:noFill/>
+            </a:ln>
+          </p:spPr>
+          <p:style>
+            <a:lnRef idx="2">
+              <a:schemeClr val="accent1">
+                <a:shade val="50000"/>
+              </a:schemeClr>
+            </a:lnRef>
+            <a:fillRef idx="1">
+              <a:schemeClr val="accent1"/>
+            </a:fillRef>
+            <a:effectRef idx="0">
+              <a:schemeClr val="accent1"/>
+            </a:effectRef>
+            <a:fontRef idx="minor">
+              <a:schemeClr val="lt1"/>
+            </a:fontRef>
+          </p:style>
+          <p:txBody>
+            <a:bodyPr rtlCol="0" anchor="ctr"/>
+            <a:lstStyle/>
+            <a:p>
+              <a:pPr algn="ctr"/>
+              <a:endParaRPr lang="zh-CN" altLang="en-US"/>
+            </a:p>
+          </p:txBody>
+        </p:sp>
+        <p:sp>
+          <p:nvSpPr>
+            <p:cNvPr id="18" name="文本框 17">
+              <a:extLst>
+                <a:ext uri="{FF2B5EF4-FFF2-40B4-BE49-F238E27FC236}">
+                  <a16:creationId xmlns:a16="http://schemas.microsoft.com/office/drawing/2014/main" id="{BF0282D2-3931-49F8-85EE-BAF832D91575}"/>
+                </a:ext>
+              </a:extLst>
+            </p:cNvPr>
+            <p:cNvSpPr txBox="1"/>
+            <p:nvPr/>
+          </p:nvSpPr>
+          <p:spPr>
+            <a:xfrm>
+              <a:off x="1163991" y="5819439"/>
+              <a:ext cx="4378035" cy="923330"/>
+            </a:xfrm>
+            <a:prstGeom prst="rect">
+              <a:avLst/>
+            </a:prstGeom>
+            <a:noFill/>
+          </p:spPr>
+          <p:txBody>
+            <a:bodyPr wrap="square" rtlCol="0">
+              <a:spAutoFit/>
+            </a:bodyPr>
+            <a:lstStyle/>
+            <a:p>
+              <a:r>
+                <a:rPr lang="zh-CN" altLang="en-US" sz="5400" b="1" dirty="0">
+                  <a:latin typeface="华康娃娃体W5" panose="040B0509000000000000" pitchFamily="81" charset="-122"/>
+                  <a:ea typeface="华康娃娃体W5" panose="040B0509000000000000" pitchFamily="81" charset="-122"/>
+                </a:rPr>
+                <a:t>制定采购决策</a:t>
+              </a:r>
+            </a:p>
+          </p:txBody>
+        </p:sp>
+        <p:pic>
+          <p:nvPicPr>
+            <p:cNvPr id="19" name="图形 18" descr="清单演示文稿 RTL">
+              <a:extLst>
+                <a:ext uri="{FF2B5EF4-FFF2-40B4-BE49-F238E27FC236}">
+                  <a16:creationId xmlns:a16="http://schemas.microsoft.com/office/drawing/2014/main" id="{9177194C-4083-450B-A6B0-58E17B98DF44}"/>
+                </a:ext>
+              </a:extLst>
+            </p:cNvPr>
+            <p:cNvPicPr>
+              <a:picLocks noChangeAspect="1"/>
+            </p:cNvPicPr>
+            <p:nvPr/>
+          </p:nvPicPr>
+          <p:blipFill>
+            <a:blip r:embed="rId4">
+              <a:extLst>
+                <a:ext uri="{28A0092B-C50C-407E-A947-70E740481C1C}">
+                  <a14:useLocalDpi xmlns:a14="http://schemas.microsoft.com/office/drawing/2010/main" val="0"/>
+                </a:ext>
+                <a:ext uri="{96DAC541-7B7A-43D3-8B79-37D633B846F1}">
+                  <asvg:svgBlip xmlns:asvg="http://schemas.microsoft.com/office/drawing/2016/SVG/main" r:embed="rId5"/>
+                </a:ext>
+              </a:extLst>
+            </a:blip>
+            <a:stretch>
+              <a:fillRect/>
+            </a:stretch>
+          </p:blipFill>
+          <p:spPr>
+            <a:xfrm>
+              <a:off x="1741707" y="3764679"/>
+              <a:ext cx="3222599" cy="2274922"/>
+            </a:xfrm>
+            <a:prstGeom prst="rect">
+              <a:avLst/>
+            </a:prstGeom>
+          </p:spPr>
+        </p:pic>
+      </p:grpSp>
+    </p:spTree>
+    <p:extLst>
+      <p:ext uri="{BB962C8B-B14F-4D97-AF65-F5344CB8AC3E}">
+        <p14:creationId xmlns:p14="http://schemas.microsoft.com/office/powerpoint/2010/main" val="464313820"/>
+      </p:ext>
+    </p:extLst>
+  </p:cSld>
+  <p:clrMapOvr>
+    <a:masterClrMapping/>
+  </p:clrMapOvr>
+</p:sld>
+</file>
+
+<file path=ppt/slides/slide9.xml><?xml version="1.0" encoding="utf-8"?>
 <p:sld xmlns:a="http://schemas.openxmlformats.org/drawingml/2006/main" xmlns:r="http://schemas.openxmlformats.org/officeDocument/2006/relationships" xmlns:p="http://schemas.openxmlformats.org/presentationml/2006/main">
   <p:cSld>
     <p:spTree>

--- a/FRSYS/static/create_png.pptx
+++ b/FRSYS/static/create_png.pptx
@@ -205,7 +205,7 @@
           <a:p>
             <a:fld id="{622FD209-266D-4CFA-95EB-8BEF77BDC566}" type="datetimeFigureOut">
               <a:rPr lang="zh-CN" altLang="en-US" smtClean="0"/>
-              <a:t>2022/5/9</a:t>
+              <a:t>2022/5/10</a:t>
             </a:fld>
             <a:endParaRPr lang="zh-CN" altLang="en-US"/>
           </a:p>
@@ -1039,7 +1039,7 @@
           <a:p>
             <a:fld id="{A1B234E5-1079-4317-BEEF-F9F660E4A9FC}" type="datetimeFigureOut">
               <a:rPr lang="zh-CN" altLang="en-US" smtClean="0"/>
-              <a:t>2022/5/9</a:t>
+              <a:t>2022/5/10</a:t>
             </a:fld>
             <a:endParaRPr lang="zh-CN" altLang="en-US"/>
           </a:p>
@@ -1237,7 +1237,7 @@
           <a:p>
             <a:fld id="{A1B234E5-1079-4317-BEEF-F9F660E4A9FC}" type="datetimeFigureOut">
               <a:rPr lang="zh-CN" altLang="en-US" smtClean="0"/>
-              <a:t>2022/5/9</a:t>
+              <a:t>2022/5/10</a:t>
             </a:fld>
             <a:endParaRPr lang="zh-CN" altLang="en-US"/>
           </a:p>
@@ -1445,7 +1445,7 @@
           <a:p>
             <a:fld id="{A1B234E5-1079-4317-BEEF-F9F660E4A9FC}" type="datetimeFigureOut">
               <a:rPr lang="zh-CN" altLang="en-US" smtClean="0"/>
-              <a:t>2022/5/9</a:t>
+              <a:t>2022/5/10</a:t>
             </a:fld>
             <a:endParaRPr lang="zh-CN" altLang="en-US"/>
           </a:p>
@@ -1643,7 +1643,7 @@
           <a:p>
             <a:fld id="{A1B234E5-1079-4317-BEEF-F9F660E4A9FC}" type="datetimeFigureOut">
               <a:rPr lang="zh-CN" altLang="en-US" smtClean="0"/>
-              <a:t>2022/5/9</a:t>
+              <a:t>2022/5/10</a:t>
             </a:fld>
             <a:endParaRPr lang="zh-CN" altLang="en-US"/>
           </a:p>
@@ -1918,7 +1918,7 @@
           <a:p>
             <a:fld id="{A1B234E5-1079-4317-BEEF-F9F660E4A9FC}" type="datetimeFigureOut">
               <a:rPr lang="zh-CN" altLang="en-US" smtClean="0"/>
-              <a:t>2022/5/9</a:t>
+              <a:t>2022/5/10</a:t>
             </a:fld>
             <a:endParaRPr lang="zh-CN" altLang="en-US"/>
           </a:p>
@@ -2183,7 +2183,7 @@
           <a:p>
             <a:fld id="{A1B234E5-1079-4317-BEEF-F9F660E4A9FC}" type="datetimeFigureOut">
               <a:rPr lang="zh-CN" altLang="en-US" smtClean="0"/>
-              <a:t>2022/5/9</a:t>
+              <a:t>2022/5/10</a:t>
             </a:fld>
             <a:endParaRPr lang="zh-CN" altLang="en-US"/>
           </a:p>
@@ -2595,7 +2595,7 @@
           <a:p>
             <a:fld id="{A1B234E5-1079-4317-BEEF-F9F660E4A9FC}" type="datetimeFigureOut">
               <a:rPr lang="zh-CN" altLang="en-US" smtClean="0"/>
-              <a:t>2022/5/9</a:t>
+              <a:t>2022/5/10</a:t>
             </a:fld>
             <a:endParaRPr lang="zh-CN" altLang="en-US"/>
           </a:p>
@@ -2736,7 +2736,7 @@
           <a:p>
             <a:fld id="{A1B234E5-1079-4317-BEEF-F9F660E4A9FC}" type="datetimeFigureOut">
               <a:rPr lang="zh-CN" altLang="en-US" smtClean="0"/>
-              <a:t>2022/5/9</a:t>
+              <a:t>2022/5/10</a:t>
             </a:fld>
             <a:endParaRPr lang="zh-CN" altLang="en-US"/>
           </a:p>
@@ -2849,7 +2849,7 @@
           <a:p>
             <a:fld id="{A1B234E5-1079-4317-BEEF-F9F660E4A9FC}" type="datetimeFigureOut">
               <a:rPr lang="zh-CN" altLang="en-US" smtClean="0"/>
-              <a:t>2022/5/9</a:t>
+              <a:t>2022/5/10</a:t>
             </a:fld>
             <a:endParaRPr lang="zh-CN" altLang="en-US"/>
           </a:p>
@@ -3160,7 +3160,7 @@
           <a:p>
             <a:fld id="{A1B234E5-1079-4317-BEEF-F9F660E4A9FC}" type="datetimeFigureOut">
               <a:rPr lang="zh-CN" altLang="en-US" smtClean="0"/>
-              <a:t>2022/5/9</a:t>
+              <a:t>2022/5/10</a:t>
             </a:fld>
             <a:endParaRPr lang="zh-CN" altLang="en-US"/>
           </a:p>
@@ -3448,7 +3448,7 @@
           <a:p>
             <a:fld id="{A1B234E5-1079-4317-BEEF-F9F660E4A9FC}" type="datetimeFigureOut">
               <a:rPr lang="zh-CN" altLang="en-US" smtClean="0"/>
-              <a:t>2022/5/9</a:t>
+              <a:t>2022/5/10</a:t>
             </a:fld>
             <a:endParaRPr lang="zh-CN" altLang="en-US"/>
           </a:p>
@@ -3689,7 +3689,7 @@
           <a:p>
             <a:fld id="{A1B234E5-1079-4317-BEEF-F9F660E4A9FC}" type="datetimeFigureOut">
               <a:rPr lang="zh-CN" altLang="en-US" smtClean="0"/>
-              <a:t>2022/5/9</a:t>
+              <a:t>2022/5/10</a:t>
             </a:fld>
             <a:endParaRPr lang="zh-CN" altLang="en-US"/>
           </a:p>
@@ -6431,6 +6431,229 @@
           </a:prstGeom>
         </p:spPr>
       </p:pic>
+      <p:grpSp>
+        <p:nvGrpSpPr>
+          <p:cNvPr id="5" name="组合 4">
+            <a:extLst>
+              <a:ext uri="{FF2B5EF4-FFF2-40B4-BE49-F238E27FC236}">
+                <a16:creationId xmlns:a16="http://schemas.microsoft.com/office/drawing/2014/main" id="{810F20EC-7B62-44F5-A29A-F7C555D246E8}"/>
+              </a:ext>
+            </a:extLst>
+          </p:cNvPr>
+          <p:cNvGrpSpPr/>
+          <p:nvPr/>
+        </p:nvGrpSpPr>
+        <p:grpSpPr>
+          <a:xfrm>
+            <a:off x="6537229" y="2123234"/>
+            <a:ext cx="5286042" cy="3282889"/>
+            <a:chOff x="6537229" y="2123234"/>
+            <a:chExt cx="5286042" cy="3282889"/>
+          </a:xfrm>
+        </p:grpSpPr>
+        <p:grpSp>
+          <p:nvGrpSpPr>
+            <p:cNvPr id="11" name="组合 10">
+              <a:extLst>
+                <a:ext uri="{FF2B5EF4-FFF2-40B4-BE49-F238E27FC236}">
+                  <a16:creationId xmlns:a16="http://schemas.microsoft.com/office/drawing/2014/main" id="{2C34F790-68EA-440E-B8E3-583B3275D906}"/>
+                </a:ext>
+              </a:extLst>
+            </p:cNvPr>
+            <p:cNvGrpSpPr/>
+            <p:nvPr/>
+          </p:nvGrpSpPr>
+          <p:grpSpPr>
+            <a:xfrm>
+              <a:off x="6537229" y="2123234"/>
+              <a:ext cx="5286042" cy="3282889"/>
+              <a:chOff x="595736" y="3764679"/>
+              <a:chExt cx="5277928" cy="3347641"/>
+            </a:xfrm>
+          </p:grpSpPr>
+          <p:sp>
+            <p:nvSpPr>
+              <p:cNvPr id="12" name="矩形: 圆角 11">
+                <a:extLst>
+                  <a:ext uri="{FF2B5EF4-FFF2-40B4-BE49-F238E27FC236}">
+                    <a16:creationId xmlns:a16="http://schemas.microsoft.com/office/drawing/2014/main" id="{FE27ECFF-CA07-4042-9E67-727E3EC8A46B}"/>
+                  </a:ext>
+                </a:extLst>
+              </p:cNvPr>
+              <p:cNvSpPr/>
+              <p:nvPr/>
+            </p:nvSpPr>
+            <p:spPr>
+              <a:xfrm>
+                <a:off x="595736" y="3764679"/>
+                <a:ext cx="5277928" cy="3347641"/>
+              </a:xfrm>
+              <a:prstGeom prst="roundRect">
+                <a:avLst/>
+              </a:prstGeom>
+              <a:solidFill>
+                <a:srgbClr val="1CC09F"/>
+              </a:solidFill>
+              <a:ln>
+                <a:noFill/>
+              </a:ln>
+            </p:spPr>
+            <p:style>
+              <a:lnRef idx="2">
+                <a:schemeClr val="accent1">
+                  <a:shade val="50000"/>
+                </a:schemeClr>
+              </a:lnRef>
+              <a:fillRef idx="1">
+                <a:schemeClr val="accent1"/>
+              </a:fillRef>
+              <a:effectRef idx="0">
+                <a:schemeClr val="accent1"/>
+              </a:effectRef>
+              <a:fontRef idx="minor">
+                <a:schemeClr val="lt1"/>
+              </a:fontRef>
+            </p:style>
+            <p:txBody>
+              <a:bodyPr rtlCol="0" anchor="ctr"/>
+              <a:lstStyle/>
+              <a:p>
+                <a:pPr algn="ctr"/>
+                <a:endParaRPr lang="zh-CN" altLang="en-US" dirty="0"/>
+              </a:p>
+            </p:txBody>
+          </p:sp>
+          <p:sp>
+            <p:nvSpPr>
+              <p:cNvPr id="16" name="矩形: 单圆角 15">
+                <a:extLst>
+                  <a:ext uri="{FF2B5EF4-FFF2-40B4-BE49-F238E27FC236}">
+                    <a16:creationId xmlns:a16="http://schemas.microsoft.com/office/drawing/2014/main" id="{50D02CE3-FE3B-41C2-B809-792E6D86940A}"/>
+                  </a:ext>
+                </a:extLst>
+              </p:cNvPr>
+              <p:cNvSpPr/>
+              <p:nvPr/>
+            </p:nvSpPr>
+            <p:spPr>
+              <a:xfrm>
+                <a:off x="884219" y="3764679"/>
+                <a:ext cx="4876800" cy="3191619"/>
+              </a:xfrm>
+              <a:prstGeom prst="round1Rect">
+                <a:avLst>
+                  <a:gd name="adj" fmla="val 0"/>
+                </a:avLst>
+              </a:prstGeom>
+              <a:noFill/>
+              <a:ln>
+                <a:noFill/>
+              </a:ln>
+            </p:spPr>
+            <p:style>
+              <a:lnRef idx="2">
+                <a:schemeClr val="accent1">
+                  <a:shade val="50000"/>
+                </a:schemeClr>
+              </a:lnRef>
+              <a:fillRef idx="1">
+                <a:schemeClr val="accent1"/>
+              </a:fillRef>
+              <a:effectRef idx="0">
+                <a:schemeClr val="accent1"/>
+              </a:effectRef>
+              <a:fontRef idx="minor">
+                <a:schemeClr val="lt1"/>
+              </a:fontRef>
+            </p:style>
+            <p:txBody>
+              <a:bodyPr rtlCol="0" anchor="ctr"/>
+              <a:lstStyle/>
+              <a:p>
+                <a:pPr algn="ctr"/>
+                <a:endParaRPr lang="zh-CN" altLang="en-US"/>
+              </a:p>
+            </p:txBody>
+          </p:sp>
+          <p:sp>
+            <p:nvSpPr>
+              <p:cNvPr id="19" name="文本框 18">
+                <a:extLst>
+                  <a:ext uri="{FF2B5EF4-FFF2-40B4-BE49-F238E27FC236}">
+                    <a16:creationId xmlns:a16="http://schemas.microsoft.com/office/drawing/2014/main" id="{5F753A9B-6B40-4225-9F75-D41A83638242}"/>
+                  </a:ext>
+                </a:extLst>
+              </p:cNvPr>
+              <p:cNvSpPr txBox="1"/>
+              <p:nvPr/>
+            </p:nvSpPr>
+            <p:spPr>
+              <a:xfrm>
+                <a:off x="1163991" y="5819439"/>
+                <a:ext cx="4378035" cy="941542"/>
+              </a:xfrm>
+              <a:prstGeom prst="rect">
+                <a:avLst/>
+              </a:prstGeom>
+              <a:noFill/>
+            </p:spPr>
+            <p:txBody>
+              <a:bodyPr wrap="square" rtlCol="0">
+                <a:spAutoFit/>
+              </a:bodyPr>
+              <a:lstStyle/>
+              <a:p>
+                <a:r>
+                  <a:rPr lang="zh-CN" altLang="en-US" sz="5400" b="1" dirty="0">
+                    <a:latin typeface="华康娃娃体W5" panose="040B0509000000000000" pitchFamily="81" charset="-122"/>
+                    <a:ea typeface="华康娃娃体W5" panose="040B0509000000000000" pitchFamily="81" charset="-122"/>
+                  </a:rPr>
+                  <a:t>查看采购需求</a:t>
+                </a:r>
+              </a:p>
+            </p:txBody>
+          </p:sp>
+        </p:grpSp>
+        <p:pic>
+          <p:nvPicPr>
+            <p:cNvPr id="3" name="图形 2" descr="列表 RTL">
+              <a:extLst>
+                <a:ext uri="{FF2B5EF4-FFF2-40B4-BE49-F238E27FC236}">
+                  <a16:creationId xmlns:a16="http://schemas.microsoft.com/office/drawing/2014/main" id="{534DEAEA-C0D8-4112-92FA-8E9429DD135B}"/>
+                </a:ext>
+              </a:extLst>
+            </p:cNvPr>
+            <p:cNvPicPr>
+              <a:picLocks noChangeAspect="1"/>
+            </p:cNvPicPr>
+            <p:nvPr/>
+          </p:nvPicPr>
+          <p:blipFill>
+            <a:blip r:embed="rId7">
+              <a:extLst>
+                <a:ext uri="{28A0092B-C50C-407E-A947-70E740481C1C}">
+                  <a14:useLocalDpi xmlns:a14="http://schemas.microsoft.com/office/drawing/2010/main" val="0"/>
+                </a:ext>
+                <a:ext uri="{96DAC541-7B7A-43D3-8B79-37D633B846F1}">
+                  <asvg:svgBlip xmlns:asvg="http://schemas.microsoft.com/office/drawing/2016/SVG/main" r:embed="rId8"/>
+                </a:ext>
+              </a:extLst>
+            </a:blip>
+            <a:stretch>
+              <a:fillRect/>
+            </a:stretch>
+          </p:blipFill>
+          <p:spPr>
+            <a:xfrm>
+              <a:off x="7454250" y="2258129"/>
+              <a:ext cx="3503822" cy="1874977"/>
+            </a:xfrm>
+            <a:prstGeom prst="rect">
+              <a:avLst/>
+            </a:prstGeom>
+          </p:spPr>
+        </p:pic>
+      </p:grpSp>
     </p:spTree>
     <p:extLst>
       <p:ext uri="{BB962C8B-B14F-4D97-AF65-F5344CB8AC3E}">

--- a/FRSYS/static/create_png.pptx
+++ b/FRSYS/static/create_png.pptx
@@ -5,7 +5,7 @@
     <p:sldMasterId id="2147483648" r:id="rId1"/>
   </p:sldMasterIdLst>
   <p:notesMasterIdLst>
-    <p:notesMasterId r:id="rId11"/>
+    <p:notesMasterId r:id="rId12"/>
   </p:notesMasterIdLst>
   <p:sldIdLst>
     <p:sldId id="256" r:id="rId2"/>
@@ -16,7 +16,8 @@
     <p:sldId id="261" r:id="rId7"/>
     <p:sldId id="263" r:id="rId8"/>
     <p:sldId id="264" r:id="rId9"/>
-    <p:sldId id="262" r:id="rId10"/>
+    <p:sldId id="265" r:id="rId10"/>
+    <p:sldId id="262" r:id="rId11"/>
   </p:sldIdLst>
   <p:sldSz cx="12192000" cy="6858000"/>
   <p:notesSz cx="6858000" cy="9144000"/>
@@ -205,7 +206,7 @@
           <a:p>
             <a:fld id="{622FD209-266D-4CFA-95EB-8BEF77BDC566}" type="datetimeFigureOut">
               <a:rPr lang="zh-CN" altLang="en-US" smtClean="0"/>
-              <a:t>2022/5/10</a:t>
+              <a:t>2022/5/21</a:t>
             </a:fld>
             <a:endParaRPr lang="zh-CN" altLang="en-US"/>
           </a:p>
@@ -882,6 +883,90 @@
     </p:spTree>
     <p:extLst>
       <p:ext uri="{BB962C8B-B14F-4D97-AF65-F5344CB8AC3E}">
+        <p14:creationId xmlns:p14="http://schemas.microsoft.com/office/powerpoint/2010/main" val="819570461"/>
+      </p:ext>
+    </p:extLst>
+  </p:cSld>
+  <p:clrMapOvr>
+    <a:masterClrMapping/>
+  </p:clrMapOvr>
+</p:notes>
+</file>
+
+<file path=ppt/notesSlides/notesSlide6.xml><?xml version="1.0" encoding="utf-8"?>
+<p:notes xmlns:a="http://schemas.openxmlformats.org/drawingml/2006/main" xmlns:r="http://schemas.openxmlformats.org/officeDocument/2006/relationships" xmlns:p="http://schemas.openxmlformats.org/presentationml/2006/main">
+  <p:cSld>
+    <p:spTree>
+      <p:nvGrpSpPr>
+        <p:cNvPr id="1" name=""/>
+        <p:cNvGrpSpPr/>
+        <p:nvPr/>
+      </p:nvGrpSpPr>
+      <p:grpSpPr>
+        <a:xfrm>
+          <a:off x="0" y="0"/>
+          <a:ext cx="0" cy="0"/>
+          <a:chOff x="0" y="0"/>
+          <a:chExt cx="0" cy="0"/>
+        </a:xfrm>
+      </p:grpSpPr>
+      <p:sp>
+        <p:nvSpPr>
+          <p:cNvPr id="2" name="幻灯片图像占位符 1"/>
+          <p:cNvSpPr>
+            <a:spLocks noGrp="1" noRot="1" noChangeAspect="1"/>
+          </p:cNvSpPr>
+          <p:nvPr>
+            <p:ph type="sldImg"/>
+          </p:nvPr>
+        </p:nvSpPr>
+        <p:spPr/>
+      </p:sp>
+      <p:sp>
+        <p:nvSpPr>
+          <p:cNvPr id="3" name="备注占位符 2"/>
+          <p:cNvSpPr>
+            <a:spLocks noGrp="1"/>
+          </p:cNvSpPr>
+          <p:nvPr>
+            <p:ph type="body" idx="1"/>
+          </p:nvPr>
+        </p:nvSpPr>
+        <p:spPr/>
+        <p:txBody>
+          <a:bodyPr/>
+          <a:lstStyle/>
+          <a:p>
+            <a:endParaRPr lang="zh-CN" altLang="en-US" dirty="0"/>
+          </a:p>
+        </p:txBody>
+      </p:sp>
+      <p:sp>
+        <p:nvSpPr>
+          <p:cNvPr id="4" name="灯片编号占位符 3"/>
+          <p:cNvSpPr>
+            <a:spLocks noGrp="1"/>
+          </p:cNvSpPr>
+          <p:nvPr>
+            <p:ph type="sldNum" sz="quarter" idx="5"/>
+          </p:nvPr>
+        </p:nvSpPr>
+        <p:spPr/>
+        <p:txBody>
+          <a:bodyPr/>
+          <a:lstStyle/>
+          <a:p>
+            <a:fld id="{289620E5-F1CD-441F-A4CC-EC349032E0BF}" type="slidenum">
+              <a:rPr lang="zh-CN" altLang="en-US" smtClean="0"/>
+              <a:t>10</a:t>
+            </a:fld>
+            <a:endParaRPr lang="zh-CN" altLang="en-US"/>
+          </a:p>
+        </p:txBody>
+      </p:sp>
+    </p:spTree>
+    <p:extLst>
+      <p:ext uri="{BB962C8B-B14F-4D97-AF65-F5344CB8AC3E}">
         <p14:creationId xmlns:p14="http://schemas.microsoft.com/office/powerpoint/2010/main" val="4008089689"/>
       </p:ext>
     </p:extLst>
@@ -1039,7 +1124,7 @@
           <a:p>
             <a:fld id="{A1B234E5-1079-4317-BEEF-F9F660E4A9FC}" type="datetimeFigureOut">
               <a:rPr lang="zh-CN" altLang="en-US" smtClean="0"/>
-              <a:t>2022/5/10</a:t>
+              <a:t>2022/5/21</a:t>
             </a:fld>
             <a:endParaRPr lang="zh-CN" altLang="en-US"/>
           </a:p>
@@ -1237,7 +1322,7 @@
           <a:p>
             <a:fld id="{A1B234E5-1079-4317-BEEF-F9F660E4A9FC}" type="datetimeFigureOut">
               <a:rPr lang="zh-CN" altLang="en-US" smtClean="0"/>
-              <a:t>2022/5/10</a:t>
+              <a:t>2022/5/21</a:t>
             </a:fld>
             <a:endParaRPr lang="zh-CN" altLang="en-US"/>
           </a:p>
@@ -1445,7 +1530,7 @@
           <a:p>
             <a:fld id="{A1B234E5-1079-4317-BEEF-F9F660E4A9FC}" type="datetimeFigureOut">
               <a:rPr lang="zh-CN" altLang="en-US" smtClean="0"/>
-              <a:t>2022/5/10</a:t>
+              <a:t>2022/5/21</a:t>
             </a:fld>
             <a:endParaRPr lang="zh-CN" altLang="en-US"/>
           </a:p>
@@ -1643,7 +1728,7 @@
           <a:p>
             <a:fld id="{A1B234E5-1079-4317-BEEF-F9F660E4A9FC}" type="datetimeFigureOut">
               <a:rPr lang="zh-CN" altLang="en-US" smtClean="0"/>
-              <a:t>2022/5/10</a:t>
+              <a:t>2022/5/21</a:t>
             </a:fld>
             <a:endParaRPr lang="zh-CN" altLang="en-US"/>
           </a:p>
@@ -1918,7 +2003,7 @@
           <a:p>
             <a:fld id="{A1B234E5-1079-4317-BEEF-F9F660E4A9FC}" type="datetimeFigureOut">
               <a:rPr lang="zh-CN" altLang="en-US" smtClean="0"/>
-              <a:t>2022/5/10</a:t>
+              <a:t>2022/5/21</a:t>
             </a:fld>
             <a:endParaRPr lang="zh-CN" altLang="en-US"/>
           </a:p>
@@ -2183,7 +2268,7 @@
           <a:p>
             <a:fld id="{A1B234E5-1079-4317-BEEF-F9F660E4A9FC}" type="datetimeFigureOut">
               <a:rPr lang="zh-CN" altLang="en-US" smtClean="0"/>
-              <a:t>2022/5/10</a:t>
+              <a:t>2022/5/21</a:t>
             </a:fld>
             <a:endParaRPr lang="zh-CN" altLang="en-US"/>
           </a:p>
@@ -2595,7 +2680,7 @@
           <a:p>
             <a:fld id="{A1B234E5-1079-4317-BEEF-F9F660E4A9FC}" type="datetimeFigureOut">
               <a:rPr lang="zh-CN" altLang="en-US" smtClean="0"/>
-              <a:t>2022/5/10</a:t>
+              <a:t>2022/5/21</a:t>
             </a:fld>
             <a:endParaRPr lang="zh-CN" altLang="en-US"/>
           </a:p>
@@ -2736,7 +2821,7 @@
           <a:p>
             <a:fld id="{A1B234E5-1079-4317-BEEF-F9F660E4A9FC}" type="datetimeFigureOut">
               <a:rPr lang="zh-CN" altLang="en-US" smtClean="0"/>
-              <a:t>2022/5/10</a:t>
+              <a:t>2022/5/21</a:t>
             </a:fld>
             <a:endParaRPr lang="zh-CN" altLang="en-US"/>
           </a:p>
@@ -2849,7 +2934,7 @@
           <a:p>
             <a:fld id="{A1B234E5-1079-4317-BEEF-F9F660E4A9FC}" type="datetimeFigureOut">
               <a:rPr lang="zh-CN" altLang="en-US" smtClean="0"/>
-              <a:t>2022/5/10</a:t>
+              <a:t>2022/5/21</a:t>
             </a:fld>
             <a:endParaRPr lang="zh-CN" altLang="en-US"/>
           </a:p>
@@ -3160,7 +3245,7 @@
           <a:p>
             <a:fld id="{A1B234E5-1079-4317-BEEF-F9F660E4A9FC}" type="datetimeFigureOut">
               <a:rPr lang="zh-CN" altLang="en-US" smtClean="0"/>
-              <a:t>2022/5/10</a:t>
+              <a:t>2022/5/21</a:t>
             </a:fld>
             <a:endParaRPr lang="zh-CN" altLang="en-US"/>
           </a:p>
@@ -3448,7 +3533,7 @@
           <a:p>
             <a:fld id="{A1B234E5-1079-4317-BEEF-F9F660E4A9FC}" type="datetimeFigureOut">
               <a:rPr lang="zh-CN" altLang="en-US" smtClean="0"/>
-              <a:t>2022/5/10</a:t>
+              <a:t>2022/5/21</a:t>
             </a:fld>
             <a:endParaRPr lang="zh-CN" altLang="en-US"/>
           </a:p>
@@ -3689,7 +3774,7 @@
           <a:p>
             <a:fld id="{A1B234E5-1079-4317-BEEF-F9F660E4A9FC}" type="datetimeFigureOut">
               <a:rPr lang="zh-CN" altLang="en-US" smtClean="0"/>
-              <a:t>2022/5/10</a:t>
+              <a:t>2022/5/21</a:t>
             </a:fld>
             <a:endParaRPr lang="zh-CN" altLang="en-US"/>
           </a:p>
@@ -4390,6 +4475,345 @@
 </p:sld>
 </file>
 
+<file path=ppt/slides/slide10.xml><?xml version="1.0" encoding="utf-8"?>
+<p:sld xmlns:a="http://schemas.openxmlformats.org/drawingml/2006/main" xmlns:r="http://schemas.openxmlformats.org/officeDocument/2006/relationships" xmlns:p="http://schemas.openxmlformats.org/presentationml/2006/main">
+  <p:cSld>
+    <p:spTree>
+      <p:nvGrpSpPr>
+        <p:cNvPr id="1" name=""/>
+        <p:cNvGrpSpPr/>
+        <p:nvPr/>
+      </p:nvGrpSpPr>
+      <p:grpSpPr>
+        <a:xfrm>
+          <a:off x="0" y="0"/>
+          <a:ext cx="0" cy="0"/>
+          <a:chOff x="0" y="0"/>
+          <a:chExt cx="0" cy="0"/>
+        </a:xfrm>
+      </p:grpSpPr>
+      <p:pic>
+        <p:nvPicPr>
+          <p:cNvPr id="3" name="图片 2">
+            <a:extLst>
+              <a:ext uri="{FF2B5EF4-FFF2-40B4-BE49-F238E27FC236}">
+                <a16:creationId xmlns:a16="http://schemas.microsoft.com/office/drawing/2014/main" id="{A05633F5-FBC2-4862-9E84-76BE14AAB997}"/>
+              </a:ext>
+            </a:extLst>
+          </p:cNvPr>
+          <p:cNvPicPr>
+            <a:picLocks noChangeAspect="1"/>
+          </p:cNvPicPr>
+          <p:nvPr/>
+        </p:nvPicPr>
+        <p:blipFill>
+          <a:blip r:embed="rId3">
+            <a:extLst>
+              <a:ext uri="{28A0092B-C50C-407E-A947-70E740481C1C}">
+                <a14:useLocalDpi xmlns:a14="http://schemas.microsoft.com/office/drawing/2010/main" val="0"/>
+              </a:ext>
+            </a:extLst>
+          </a:blip>
+          <a:stretch>
+            <a:fillRect/>
+          </a:stretch>
+        </p:blipFill>
+        <p:spPr>
+          <a:xfrm>
+            <a:off x="1517361" y="1818371"/>
+            <a:ext cx="1838325" cy="723900"/>
+          </a:xfrm>
+          <a:prstGeom prst="rect">
+            <a:avLst/>
+          </a:prstGeom>
+        </p:spPr>
+      </p:pic>
+      <p:pic>
+        <p:nvPicPr>
+          <p:cNvPr id="11" name="图片 10">
+            <a:extLst>
+              <a:ext uri="{FF2B5EF4-FFF2-40B4-BE49-F238E27FC236}">
+                <a16:creationId xmlns:a16="http://schemas.microsoft.com/office/drawing/2014/main" id="{D990E91D-A7C1-4166-9A93-8F36538F7C96}"/>
+              </a:ext>
+            </a:extLst>
+          </p:cNvPr>
+          <p:cNvPicPr/>
+          <p:nvPr/>
+        </p:nvPicPr>
+        <p:blipFill>
+          <a:blip r:embed="rId4"/>
+          <a:stretch>
+            <a:fillRect/>
+          </a:stretch>
+        </p:blipFill>
+        <p:spPr>
+          <a:xfrm>
+            <a:off x="6556779" y="638310"/>
+            <a:ext cx="4925060" cy="590550"/>
+          </a:xfrm>
+          <a:prstGeom prst="rect">
+            <a:avLst/>
+          </a:prstGeom>
+        </p:spPr>
+      </p:pic>
+      <p:grpSp>
+        <p:nvGrpSpPr>
+          <p:cNvPr id="9" name="组合 8">
+            <a:extLst>
+              <a:ext uri="{FF2B5EF4-FFF2-40B4-BE49-F238E27FC236}">
+                <a16:creationId xmlns:a16="http://schemas.microsoft.com/office/drawing/2014/main" id="{5A32E3D3-8304-42FE-9850-91280591D3CB}"/>
+              </a:ext>
+            </a:extLst>
+          </p:cNvPr>
+          <p:cNvGrpSpPr/>
+          <p:nvPr/>
+        </p:nvGrpSpPr>
+        <p:grpSpPr>
+          <a:xfrm>
+            <a:off x="5903969" y="2542271"/>
+            <a:ext cx="2255005" cy="740064"/>
+            <a:chOff x="2452109" y="2420351"/>
+            <a:chExt cx="2255005" cy="740064"/>
+          </a:xfrm>
+        </p:grpSpPr>
+        <p:sp>
+          <p:nvSpPr>
+            <p:cNvPr id="4" name="矩形 3">
+              <a:extLst>
+                <a:ext uri="{FF2B5EF4-FFF2-40B4-BE49-F238E27FC236}">
+                  <a16:creationId xmlns:a16="http://schemas.microsoft.com/office/drawing/2014/main" id="{92A3D411-1C0C-4172-BB68-4CD7E500183D}"/>
+                </a:ext>
+              </a:extLst>
+            </p:cNvPr>
+            <p:cNvSpPr/>
+            <p:nvPr/>
+          </p:nvSpPr>
+          <p:spPr>
+            <a:xfrm>
+              <a:off x="2452109" y="2420351"/>
+              <a:ext cx="1838325" cy="740064"/>
+            </a:xfrm>
+            <a:prstGeom prst="rect">
+              <a:avLst/>
+            </a:prstGeom>
+            <a:noFill/>
+            <a:ln>
+              <a:noFill/>
+            </a:ln>
+          </p:spPr>
+          <p:style>
+            <a:lnRef idx="2">
+              <a:schemeClr val="accent1">
+                <a:shade val="50000"/>
+              </a:schemeClr>
+            </a:lnRef>
+            <a:fillRef idx="1">
+              <a:schemeClr val="accent1"/>
+            </a:fillRef>
+            <a:effectRef idx="0">
+              <a:schemeClr val="accent1"/>
+            </a:effectRef>
+            <a:fontRef idx="minor">
+              <a:schemeClr val="lt1"/>
+            </a:fontRef>
+          </p:style>
+          <p:txBody>
+            <a:bodyPr rtlCol="0" anchor="ctr"/>
+            <a:lstStyle/>
+            <a:p>
+              <a:pPr algn="ctr"/>
+              <a:endParaRPr lang="zh-CN" altLang="en-US" dirty="0"/>
+            </a:p>
+          </p:txBody>
+        </p:sp>
+        <p:pic>
+          <p:nvPicPr>
+            <p:cNvPr id="10" name="图片 9">
+              <a:extLst>
+                <a:ext uri="{FF2B5EF4-FFF2-40B4-BE49-F238E27FC236}">
+                  <a16:creationId xmlns:a16="http://schemas.microsoft.com/office/drawing/2014/main" id="{42B26D88-B3A3-4456-8351-9FB1B076605C}"/>
+                </a:ext>
+              </a:extLst>
+            </p:cNvPr>
+            <p:cNvPicPr/>
+            <p:nvPr/>
+          </p:nvPicPr>
+          <p:blipFill rotWithShape="1">
+            <a:blip r:embed="rId4"/>
+            <a:srcRect l="1430" t="7492" r="90133" b="4520"/>
+            <a:stretch/>
+          </p:blipFill>
+          <p:spPr>
+            <a:xfrm rot="20506257">
+              <a:off x="2542041" y="2545080"/>
+              <a:ext cx="415499" cy="519613"/>
+            </a:xfrm>
+            <a:prstGeom prst="rect">
+              <a:avLst/>
+            </a:prstGeom>
+          </p:spPr>
+        </p:pic>
+        <p:sp>
+          <p:nvSpPr>
+            <p:cNvPr id="8" name="文本框 7">
+              <a:extLst>
+                <a:ext uri="{FF2B5EF4-FFF2-40B4-BE49-F238E27FC236}">
+                  <a16:creationId xmlns:a16="http://schemas.microsoft.com/office/drawing/2014/main" id="{1D6DD0C9-AEDE-41B2-B007-7DA0C0957954}"/>
+                </a:ext>
+              </a:extLst>
+            </p:cNvPr>
+            <p:cNvSpPr txBox="1"/>
+            <p:nvPr/>
+          </p:nvSpPr>
+          <p:spPr>
+            <a:xfrm>
+              <a:off x="2749790" y="2528773"/>
+              <a:ext cx="1957324" cy="523220"/>
+            </a:xfrm>
+            <a:prstGeom prst="rect">
+              <a:avLst/>
+            </a:prstGeom>
+            <a:noFill/>
+          </p:spPr>
+          <p:txBody>
+            <a:bodyPr wrap="square" rtlCol="0">
+              <a:spAutoFit/>
+            </a:bodyPr>
+            <a:lstStyle/>
+            <a:p>
+              <a:r>
+                <a:rPr lang="zh-CN" altLang="en-US" sz="2800" b="1" dirty="0">
+                  <a:solidFill>
+                    <a:srgbClr val="28A745"/>
+                  </a:solidFill>
+                  <a:latin typeface="叶根友圆趣卡通体" panose="02010601030101010101" pitchFamily="2" charset="-122"/>
+                  <a:ea typeface="叶根友圆趣卡通体" panose="02010601030101010101" pitchFamily="2" charset="-122"/>
+                </a:rPr>
+                <a:t>生鲜码盒</a:t>
+              </a:r>
+            </a:p>
+          </p:txBody>
+        </p:sp>
+      </p:grpSp>
+      <p:pic>
+        <p:nvPicPr>
+          <p:cNvPr id="13" name="图片 12">
+            <a:extLst>
+              <a:ext uri="{FF2B5EF4-FFF2-40B4-BE49-F238E27FC236}">
+                <a16:creationId xmlns:a16="http://schemas.microsoft.com/office/drawing/2014/main" id="{5D18CBD2-7290-4EFD-9C6C-1C1FAA06EB6C}"/>
+              </a:ext>
+            </a:extLst>
+          </p:cNvPr>
+          <p:cNvPicPr>
+            <a:picLocks noChangeAspect="1"/>
+          </p:cNvPicPr>
+          <p:nvPr/>
+        </p:nvPicPr>
+        <p:blipFill rotWithShape="1">
+          <a:blip r:embed="rId5">
+            <a:extLst>
+              <a:ext uri="{28A0092B-C50C-407E-A947-70E740481C1C}">
+                <a14:useLocalDpi xmlns:a14="http://schemas.microsoft.com/office/drawing/2010/main" val="0"/>
+              </a:ext>
+            </a:extLst>
+          </a:blip>
+          <a:srcRect t="9359" r="18504" b="4689"/>
+          <a:stretch/>
+        </p:blipFill>
+        <p:spPr>
+          <a:xfrm>
+            <a:off x="3952448" y="1802207"/>
+            <a:ext cx="1838325" cy="723900"/>
+          </a:xfrm>
+          <a:prstGeom prst="rect">
+            <a:avLst/>
+          </a:prstGeom>
+        </p:spPr>
+      </p:pic>
+      <p:pic>
+        <p:nvPicPr>
+          <p:cNvPr id="5" name="图片 4">
+            <a:extLst>
+              <a:ext uri="{FF2B5EF4-FFF2-40B4-BE49-F238E27FC236}">
+                <a16:creationId xmlns:a16="http://schemas.microsoft.com/office/drawing/2014/main" id="{5669D569-D2F2-45A6-A19A-90102D23E10E}"/>
+              </a:ext>
+            </a:extLst>
+          </p:cNvPr>
+          <p:cNvPicPr>
+            <a:picLocks noChangeAspect="1"/>
+          </p:cNvPicPr>
+          <p:nvPr/>
+        </p:nvPicPr>
+        <p:blipFill>
+          <a:blip r:embed="rId6">
+            <a:extLst>
+              <a:ext uri="{28A0092B-C50C-407E-A947-70E740481C1C}">
+                <a14:useLocalDpi xmlns:a14="http://schemas.microsoft.com/office/drawing/2010/main" val="0"/>
+              </a:ext>
+            </a:extLst>
+          </a:blip>
+          <a:stretch>
+            <a:fillRect/>
+          </a:stretch>
+        </p:blipFill>
+        <p:spPr>
+          <a:xfrm>
+            <a:off x="1466705" y="3499961"/>
+            <a:ext cx="1428750" cy="561975"/>
+          </a:xfrm>
+          <a:prstGeom prst="rect">
+            <a:avLst/>
+          </a:prstGeom>
+        </p:spPr>
+      </p:pic>
+      <p:pic>
+        <p:nvPicPr>
+          <p:cNvPr id="14" name="图片 13">
+            <a:extLst>
+              <a:ext uri="{FF2B5EF4-FFF2-40B4-BE49-F238E27FC236}">
+                <a16:creationId xmlns:a16="http://schemas.microsoft.com/office/drawing/2014/main" id="{0D840C01-1BF0-4757-AF54-1CC06B9491F3}"/>
+              </a:ext>
+            </a:extLst>
+          </p:cNvPr>
+          <p:cNvPicPr>
+            <a:picLocks noChangeAspect="1"/>
+          </p:cNvPicPr>
+          <p:nvPr/>
+        </p:nvPicPr>
+        <p:blipFill rotWithShape="1">
+          <a:blip r:embed="rId5">
+            <a:extLst>
+              <a:ext uri="{28A0092B-C50C-407E-A947-70E740481C1C}">
+                <a14:useLocalDpi xmlns:a14="http://schemas.microsoft.com/office/drawing/2010/main" val="0"/>
+              </a:ext>
+            </a:extLst>
+          </a:blip>
+          <a:srcRect t="9359" r="18504" b="4689"/>
+          <a:stretch/>
+        </p:blipFill>
+        <p:spPr>
+          <a:xfrm>
+            <a:off x="1466705" y="4188302"/>
+            <a:ext cx="1428751" cy="561975"/>
+          </a:xfrm>
+          <a:prstGeom prst="rect">
+            <a:avLst/>
+          </a:prstGeom>
+        </p:spPr>
+      </p:pic>
+    </p:spTree>
+    <p:extLst>
+      <p:ext uri="{BB962C8B-B14F-4D97-AF65-F5344CB8AC3E}">
+        <p14:creationId xmlns:p14="http://schemas.microsoft.com/office/powerpoint/2010/main" val="2939371586"/>
+      </p:ext>
+    </p:extLst>
+  </p:cSld>
+  <p:clrMapOvr>
+    <a:masterClrMapping/>
+  </p:clrMapOvr>
+</p:sld>
+</file>
+
 <file path=ppt/slides/slide2.xml><?xml version="1.0" encoding="utf-8"?>
 <p:sld xmlns:a="http://schemas.openxmlformats.org/drawingml/2006/main" xmlns:r="http://schemas.openxmlformats.org/officeDocument/2006/relationships" xmlns:p="http://schemas.openxmlformats.org/presentationml/2006/main">
   <p:cSld>
@@ -7264,7 +7688,7 @@
     </p:spTree>
     <p:extLst>
       <p:ext uri="{BB962C8B-B14F-4D97-AF65-F5344CB8AC3E}">
-        <p14:creationId xmlns:p14="http://schemas.microsoft.com/office/powerpoint/2010/main" val="2939371586"/>
+        <p14:creationId xmlns:p14="http://schemas.microsoft.com/office/powerpoint/2010/main" val="3281292440"/>
       </p:ext>
     </p:extLst>
   </p:cSld>

--- a/FRSYS/static/create_png.pptx
+++ b/FRSYS/static/create_png.pptx
@@ -4520,7 +4520,7 @@
         </p:blipFill>
         <p:spPr>
           <a:xfrm>
-            <a:off x="1517361" y="1818371"/>
+            <a:off x="3679496" y="902045"/>
             <a:ext cx="1838325" cy="723900"/>
           </a:xfrm>
           <a:prstGeom prst="rect">
@@ -4548,7 +4548,7 @@
         </p:blipFill>
         <p:spPr>
           <a:xfrm>
-            <a:off x="6556779" y="638310"/>
+            <a:off x="6011833" y="6087764"/>
             <a:ext cx="4925060" cy="590550"/>
           </a:xfrm>
           <a:prstGeom prst="rect">
@@ -4556,145 +4556,6 @@
           </a:prstGeom>
         </p:spPr>
       </p:pic>
-      <p:grpSp>
-        <p:nvGrpSpPr>
-          <p:cNvPr id="9" name="组合 8">
-            <a:extLst>
-              <a:ext uri="{FF2B5EF4-FFF2-40B4-BE49-F238E27FC236}">
-                <a16:creationId xmlns:a16="http://schemas.microsoft.com/office/drawing/2014/main" id="{5A32E3D3-8304-42FE-9850-91280591D3CB}"/>
-              </a:ext>
-            </a:extLst>
-          </p:cNvPr>
-          <p:cNvGrpSpPr/>
-          <p:nvPr/>
-        </p:nvGrpSpPr>
-        <p:grpSpPr>
-          <a:xfrm>
-            <a:off x="5903969" y="2542271"/>
-            <a:ext cx="2255005" cy="740064"/>
-            <a:chOff x="2452109" y="2420351"/>
-            <a:chExt cx="2255005" cy="740064"/>
-          </a:xfrm>
-        </p:grpSpPr>
-        <p:sp>
-          <p:nvSpPr>
-            <p:cNvPr id="4" name="矩形 3">
-              <a:extLst>
-                <a:ext uri="{FF2B5EF4-FFF2-40B4-BE49-F238E27FC236}">
-                  <a16:creationId xmlns:a16="http://schemas.microsoft.com/office/drawing/2014/main" id="{92A3D411-1C0C-4172-BB68-4CD7E500183D}"/>
-                </a:ext>
-              </a:extLst>
-            </p:cNvPr>
-            <p:cNvSpPr/>
-            <p:nvPr/>
-          </p:nvSpPr>
-          <p:spPr>
-            <a:xfrm>
-              <a:off x="2452109" y="2420351"/>
-              <a:ext cx="1838325" cy="740064"/>
-            </a:xfrm>
-            <a:prstGeom prst="rect">
-              <a:avLst/>
-            </a:prstGeom>
-            <a:noFill/>
-            <a:ln>
-              <a:noFill/>
-            </a:ln>
-          </p:spPr>
-          <p:style>
-            <a:lnRef idx="2">
-              <a:schemeClr val="accent1">
-                <a:shade val="50000"/>
-              </a:schemeClr>
-            </a:lnRef>
-            <a:fillRef idx="1">
-              <a:schemeClr val="accent1"/>
-            </a:fillRef>
-            <a:effectRef idx="0">
-              <a:schemeClr val="accent1"/>
-            </a:effectRef>
-            <a:fontRef idx="minor">
-              <a:schemeClr val="lt1"/>
-            </a:fontRef>
-          </p:style>
-          <p:txBody>
-            <a:bodyPr rtlCol="0" anchor="ctr"/>
-            <a:lstStyle/>
-            <a:p>
-              <a:pPr algn="ctr"/>
-              <a:endParaRPr lang="zh-CN" altLang="en-US" dirty="0"/>
-            </a:p>
-          </p:txBody>
-        </p:sp>
-        <p:pic>
-          <p:nvPicPr>
-            <p:cNvPr id="10" name="图片 9">
-              <a:extLst>
-                <a:ext uri="{FF2B5EF4-FFF2-40B4-BE49-F238E27FC236}">
-                  <a16:creationId xmlns:a16="http://schemas.microsoft.com/office/drawing/2014/main" id="{42B26D88-B3A3-4456-8351-9FB1B076605C}"/>
-                </a:ext>
-              </a:extLst>
-            </p:cNvPr>
-            <p:cNvPicPr/>
-            <p:nvPr/>
-          </p:nvPicPr>
-          <p:blipFill rotWithShape="1">
-            <a:blip r:embed="rId4"/>
-            <a:srcRect l="1430" t="7492" r="90133" b="4520"/>
-            <a:stretch/>
-          </p:blipFill>
-          <p:spPr>
-            <a:xfrm rot="20506257">
-              <a:off x="2542041" y="2545080"/>
-              <a:ext cx="415499" cy="519613"/>
-            </a:xfrm>
-            <a:prstGeom prst="rect">
-              <a:avLst/>
-            </a:prstGeom>
-          </p:spPr>
-        </p:pic>
-        <p:sp>
-          <p:nvSpPr>
-            <p:cNvPr id="8" name="文本框 7">
-              <a:extLst>
-                <a:ext uri="{FF2B5EF4-FFF2-40B4-BE49-F238E27FC236}">
-                  <a16:creationId xmlns:a16="http://schemas.microsoft.com/office/drawing/2014/main" id="{1D6DD0C9-AEDE-41B2-B007-7DA0C0957954}"/>
-                </a:ext>
-              </a:extLst>
-            </p:cNvPr>
-            <p:cNvSpPr txBox="1"/>
-            <p:nvPr/>
-          </p:nvSpPr>
-          <p:spPr>
-            <a:xfrm>
-              <a:off x="2749790" y="2528773"/>
-              <a:ext cx="1957324" cy="523220"/>
-            </a:xfrm>
-            <a:prstGeom prst="rect">
-              <a:avLst/>
-            </a:prstGeom>
-            <a:noFill/>
-          </p:spPr>
-          <p:txBody>
-            <a:bodyPr wrap="square" rtlCol="0">
-              <a:spAutoFit/>
-            </a:bodyPr>
-            <a:lstStyle/>
-            <a:p>
-              <a:r>
-                <a:rPr lang="zh-CN" altLang="en-US" sz="2800" b="1" dirty="0">
-                  <a:solidFill>
-                    <a:srgbClr val="28A745"/>
-                  </a:solidFill>
-                  <a:latin typeface="叶根友圆趣卡通体" panose="02010601030101010101" pitchFamily="2" charset="-122"/>
-                  <a:ea typeface="叶根友圆趣卡通体" panose="02010601030101010101" pitchFamily="2" charset="-122"/>
-                </a:rPr>
-                <a:t>生鲜码盒</a:t>
-              </a:r>
-            </a:p>
-          </p:txBody>
-        </p:sp>
-      </p:grpSp>
       <p:pic>
         <p:nvPicPr>
           <p:cNvPr id="13" name="图片 12">
@@ -4722,7 +4583,7 @@
         </p:blipFill>
         <p:spPr>
           <a:xfrm>
-            <a:off x="3952448" y="1802207"/>
+            <a:off x="1392815" y="5500775"/>
             <a:ext cx="1838325" cy="723900"/>
           </a:xfrm>
           <a:prstGeom prst="rect">
@@ -4793,8 +4654,398 @@
         </p:blipFill>
         <p:spPr>
           <a:xfrm>
-            <a:off x="1466705" y="4188302"/>
+            <a:off x="1392815" y="4612920"/>
             <a:ext cx="1428751" cy="561975"/>
+          </a:xfrm>
+          <a:prstGeom prst="rect">
+            <a:avLst/>
+          </a:prstGeom>
+        </p:spPr>
+      </p:pic>
+      <p:pic>
+        <p:nvPicPr>
+          <p:cNvPr id="6" name="图片 5">
+            <a:extLst>
+              <a:ext uri="{FF2B5EF4-FFF2-40B4-BE49-F238E27FC236}">
+                <a16:creationId xmlns:a16="http://schemas.microsoft.com/office/drawing/2014/main" id="{1DD51F7A-C361-4130-8B64-D0DE6279DF06}"/>
+              </a:ext>
+            </a:extLst>
+          </p:cNvPr>
+          <p:cNvPicPr>
+            <a:picLocks noChangeAspect="1"/>
+          </p:cNvPicPr>
+          <p:nvPr/>
+        </p:nvPicPr>
+        <p:blipFill>
+          <a:blip r:embed="rId3">
+            <a:extLst>
+              <a:ext uri="{28A0092B-C50C-407E-A947-70E740481C1C}">
+                <a14:useLocalDpi xmlns:a14="http://schemas.microsoft.com/office/drawing/2010/main" val="0"/>
+              </a:ext>
+            </a:extLst>
+          </a:blip>
+          <a:stretch>
+            <a:fillRect/>
+          </a:stretch>
+        </p:blipFill>
+        <p:spPr>
+          <a:xfrm>
+            <a:off x="8759979" y="4750277"/>
+            <a:ext cx="1838325" cy="723900"/>
+          </a:xfrm>
+          <a:prstGeom prst="rect">
+            <a:avLst/>
+          </a:prstGeom>
+        </p:spPr>
+      </p:pic>
+      <p:pic>
+        <p:nvPicPr>
+          <p:cNvPr id="12" name="图片 11">
+            <a:extLst>
+              <a:ext uri="{FF2B5EF4-FFF2-40B4-BE49-F238E27FC236}">
+                <a16:creationId xmlns:a16="http://schemas.microsoft.com/office/drawing/2014/main" id="{101DABDA-0EBA-495E-8D85-26198AEFB530}"/>
+              </a:ext>
+            </a:extLst>
+          </p:cNvPr>
+          <p:cNvPicPr>
+            <a:picLocks noChangeAspect="1"/>
+          </p:cNvPicPr>
+          <p:nvPr/>
+        </p:nvPicPr>
+        <p:blipFill>
+          <a:blip r:embed="rId7">
+            <a:extLst>
+              <a:ext uri="{28A0092B-C50C-407E-A947-70E740481C1C}">
+                <a14:useLocalDpi xmlns:a14="http://schemas.microsoft.com/office/drawing/2010/main" val="0"/>
+              </a:ext>
+            </a:extLst>
+          </a:blip>
+          <a:stretch>
+            <a:fillRect/>
+          </a:stretch>
+        </p:blipFill>
+        <p:spPr>
+          <a:xfrm>
+            <a:off x="5126192" y="4331893"/>
+            <a:ext cx="1428949" cy="562053"/>
+          </a:xfrm>
+          <a:prstGeom prst="rect">
+            <a:avLst/>
+          </a:prstGeom>
+        </p:spPr>
+      </p:pic>
+      <p:grpSp>
+        <p:nvGrpSpPr>
+          <p:cNvPr id="27" name="组合 26">
+            <a:extLst>
+              <a:ext uri="{FF2B5EF4-FFF2-40B4-BE49-F238E27FC236}">
+                <a16:creationId xmlns:a16="http://schemas.microsoft.com/office/drawing/2014/main" id="{52997DED-BCDD-4B7E-852E-5D30F82E4AC8}"/>
+              </a:ext>
+            </a:extLst>
+          </p:cNvPr>
+          <p:cNvGrpSpPr/>
+          <p:nvPr/>
+        </p:nvGrpSpPr>
+        <p:grpSpPr>
+          <a:xfrm>
+            <a:off x="5239196" y="2609817"/>
+            <a:ext cx="2694797" cy="1322703"/>
+            <a:chOff x="5239196" y="2609817"/>
+            <a:chExt cx="2694797" cy="1322703"/>
+          </a:xfrm>
+        </p:grpSpPr>
+        <p:pic>
+          <p:nvPicPr>
+            <p:cNvPr id="20" name="图形 19" descr="叶">
+              <a:extLst>
+                <a:ext uri="{FF2B5EF4-FFF2-40B4-BE49-F238E27FC236}">
+                  <a16:creationId xmlns:a16="http://schemas.microsoft.com/office/drawing/2014/main" id="{53D39187-DBFC-43FB-A52E-8C128391A01C}"/>
+                </a:ext>
+              </a:extLst>
+            </p:cNvPr>
+            <p:cNvPicPr>
+              <a:picLocks noChangeAspect="1"/>
+            </p:cNvPicPr>
+            <p:nvPr/>
+          </p:nvPicPr>
+          <p:blipFill>
+            <a:blip r:embed="rId8">
+              <a:extLst>
+                <a:ext uri="{28A0092B-C50C-407E-A947-70E740481C1C}">
+                  <a14:useLocalDpi xmlns:a14="http://schemas.microsoft.com/office/drawing/2010/main" val="0"/>
+                </a:ext>
+                <a:ext uri="{96DAC541-7B7A-43D3-8B79-37D633B846F1}">
+                  <asvg:svgBlip xmlns:asvg="http://schemas.microsoft.com/office/drawing/2016/SVG/main" r:embed="rId9"/>
+                </a:ext>
+              </a:extLst>
+            </a:blip>
+            <a:stretch>
+              <a:fillRect/>
+            </a:stretch>
+          </p:blipFill>
+          <p:spPr>
+            <a:xfrm rot="15981121">
+              <a:off x="5427340" y="2770869"/>
+              <a:ext cx="454845" cy="454845"/>
+            </a:xfrm>
+            <a:prstGeom prst="rect">
+              <a:avLst/>
+            </a:prstGeom>
+          </p:spPr>
+        </p:pic>
+        <p:grpSp>
+          <p:nvGrpSpPr>
+            <p:cNvPr id="26" name="组合 25">
+              <a:extLst>
+                <a:ext uri="{FF2B5EF4-FFF2-40B4-BE49-F238E27FC236}">
+                  <a16:creationId xmlns:a16="http://schemas.microsoft.com/office/drawing/2014/main" id="{0444DB8E-D2DB-4045-9B58-AF8B115E814B}"/>
+                </a:ext>
+              </a:extLst>
+            </p:cNvPr>
+            <p:cNvGrpSpPr/>
+            <p:nvPr/>
+          </p:nvGrpSpPr>
+          <p:grpSpPr>
+            <a:xfrm>
+              <a:off x="5239196" y="2609817"/>
+              <a:ext cx="2694797" cy="1322703"/>
+              <a:chOff x="5239196" y="2609817"/>
+              <a:chExt cx="2694797" cy="1322703"/>
+            </a:xfrm>
+          </p:grpSpPr>
+          <p:pic>
+            <p:nvPicPr>
+              <p:cNvPr id="18" name="图形 17" descr="谷物">
+                <a:extLst>
+                  <a:ext uri="{FF2B5EF4-FFF2-40B4-BE49-F238E27FC236}">
+                    <a16:creationId xmlns:a16="http://schemas.microsoft.com/office/drawing/2014/main" id="{D0883BFD-0757-4931-8C96-9C510A206D99}"/>
+                  </a:ext>
+                </a:extLst>
+              </p:cNvPr>
+              <p:cNvPicPr>
+                <a:picLocks noChangeAspect="1"/>
+              </p:cNvPicPr>
+              <p:nvPr/>
+            </p:nvPicPr>
+            <p:blipFill>
+              <a:blip r:embed="rId10">
+                <a:extLst>
+                  <a:ext uri="{28A0092B-C50C-407E-A947-70E740481C1C}">
+                    <a14:useLocalDpi xmlns:a14="http://schemas.microsoft.com/office/drawing/2010/main" val="0"/>
+                  </a:ext>
+                  <a:ext uri="{96DAC541-7B7A-43D3-8B79-37D633B846F1}">
+                    <asvg:svgBlip xmlns:asvg="http://schemas.microsoft.com/office/drawing/2016/SVG/main" r:embed="rId11"/>
+                  </a:ext>
+                </a:extLst>
+              </a:blip>
+              <a:stretch>
+                <a:fillRect/>
+              </a:stretch>
+            </p:blipFill>
+            <p:spPr>
+              <a:xfrm>
+                <a:off x="7019593" y="2866548"/>
+                <a:ext cx="914400" cy="914400"/>
+              </a:xfrm>
+              <a:prstGeom prst="rect">
+                <a:avLst/>
+              </a:prstGeom>
+            </p:spPr>
+          </p:pic>
+          <p:sp>
+            <p:nvSpPr>
+              <p:cNvPr id="22" name="矩形 21">
+                <a:extLst>
+                  <a:ext uri="{FF2B5EF4-FFF2-40B4-BE49-F238E27FC236}">
+                    <a16:creationId xmlns:a16="http://schemas.microsoft.com/office/drawing/2014/main" id="{6A09731A-8518-48FA-895A-BB99397A247C}"/>
+                  </a:ext>
+                </a:extLst>
+              </p:cNvPr>
+              <p:cNvSpPr/>
+              <p:nvPr/>
+            </p:nvSpPr>
+            <p:spPr>
+              <a:xfrm>
+                <a:off x="5239196" y="2945701"/>
+                <a:ext cx="877163" cy="923330"/>
+              </a:xfrm>
+              <a:prstGeom prst="rect">
+                <a:avLst/>
+              </a:prstGeom>
+            </p:spPr>
+            <p:txBody>
+              <a:bodyPr wrap="none">
+                <a:spAutoFit/>
+              </a:bodyPr>
+              <a:lstStyle/>
+              <a:p>
+                <a:r>
+                  <a:rPr lang="zh-CN" altLang="en-US" sz="5400" dirty="0">
+                    <a:solidFill>
+                      <a:srgbClr val="28A745"/>
+                    </a:solidFill>
+                    <a:latin typeface="钟齐志莽行书" panose="02010600030101010101" pitchFamily="2" charset="-122"/>
+                    <a:ea typeface="钟齐志莽行书" panose="02010600030101010101" pitchFamily="2" charset="-122"/>
+                  </a:rPr>
+                  <a:t>生</a:t>
+                </a:r>
+                <a:endParaRPr lang="zh-CN" altLang="en-US" sz="5400" dirty="0"/>
+              </a:p>
+            </p:txBody>
+          </p:sp>
+          <p:sp>
+            <p:nvSpPr>
+              <p:cNvPr id="23" name="矩形 22">
+                <a:extLst>
+                  <a:ext uri="{FF2B5EF4-FFF2-40B4-BE49-F238E27FC236}">
+                    <a16:creationId xmlns:a16="http://schemas.microsoft.com/office/drawing/2014/main" id="{55684B8D-C740-4F68-B0A1-D87483FC9308}"/>
+                  </a:ext>
+                </a:extLst>
+              </p:cNvPr>
+              <p:cNvSpPr/>
+              <p:nvPr/>
+            </p:nvSpPr>
+            <p:spPr>
+              <a:xfrm>
+                <a:off x="5677978" y="2732920"/>
+                <a:ext cx="877163" cy="923330"/>
+              </a:xfrm>
+              <a:prstGeom prst="rect">
+                <a:avLst/>
+              </a:prstGeom>
+            </p:spPr>
+            <p:txBody>
+              <a:bodyPr wrap="none">
+                <a:spAutoFit/>
+              </a:bodyPr>
+              <a:lstStyle/>
+              <a:p>
+                <a:r>
+                  <a:rPr lang="zh-CN" altLang="en-US" sz="5400" dirty="0">
+                    <a:solidFill>
+                      <a:srgbClr val="28A745"/>
+                    </a:solidFill>
+                    <a:latin typeface="钟齐志莽行书" panose="02010600030101010101" pitchFamily="2" charset="-122"/>
+                    <a:ea typeface="钟齐志莽行书" panose="02010600030101010101" pitchFamily="2" charset="-122"/>
+                  </a:rPr>
+                  <a:t>鲜</a:t>
+                </a:r>
+                <a:endParaRPr lang="zh-CN" altLang="en-US" sz="5400" dirty="0"/>
+              </a:p>
+            </p:txBody>
+          </p:sp>
+          <p:sp>
+            <p:nvSpPr>
+              <p:cNvPr id="24" name="矩形 23">
+                <a:extLst>
+                  <a:ext uri="{FF2B5EF4-FFF2-40B4-BE49-F238E27FC236}">
+                    <a16:creationId xmlns:a16="http://schemas.microsoft.com/office/drawing/2014/main" id="{41A7D1ED-D7F9-4558-9537-5232F19C778E}"/>
+                  </a:ext>
+                </a:extLst>
+              </p:cNvPr>
+              <p:cNvSpPr/>
+              <p:nvPr/>
+            </p:nvSpPr>
+            <p:spPr>
+              <a:xfrm>
+                <a:off x="6096000" y="3009190"/>
+                <a:ext cx="877163" cy="923330"/>
+              </a:xfrm>
+              <a:prstGeom prst="rect">
+                <a:avLst/>
+              </a:prstGeom>
+            </p:spPr>
+            <p:txBody>
+              <a:bodyPr wrap="none">
+                <a:spAutoFit/>
+              </a:bodyPr>
+              <a:lstStyle/>
+              <a:p>
+                <a:r>
+                  <a:rPr lang="zh-CN" altLang="en-US" sz="5400" dirty="0">
+                    <a:solidFill>
+                      <a:srgbClr val="28A745"/>
+                    </a:solidFill>
+                    <a:latin typeface="钟齐志莽行书" panose="02010600030101010101" pitchFamily="2" charset="-122"/>
+                    <a:ea typeface="钟齐志莽行书" panose="02010600030101010101" pitchFamily="2" charset="-122"/>
+                  </a:rPr>
+                  <a:t>码</a:t>
+                </a:r>
+                <a:endParaRPr lang="zh-CN" altLang="en-US" sz="5400" dirty="0"/>
+              </a:p>
+            </p:txBody>
+          </p:sp>
+          <p:sp>
+            <p:nvSpPr>
+              <p:cNvPr id="25" name="矩形 24">
+                <a:extLst>
+                  <a:ext uri="{FF2B5EF4-FFF2-40B4-BE49-F238E27FC236}">
+                    <a16:creationId xmlns:a16="http://schemas.microsoft.com/office/drawing/2014/main" id="{C3EB845D-12EA-4334-9803-CC00AD9D8816}"/>
+                  </a:ext>
+                </a:extLst>
+              </p:cNvPr>
+              <p:cNvSpPr/>
+              <p:nvPr/>
+            </p:nvSpPr>
+            <p:spPr>
+              <a:xfrm>
+                <a:off x="6534381" y="2609817"/>
+                <a:ext cx="877163" cy="923330"/>
+              </a:xfrm>
+              <a:prstGeom prst="rect">
+                <a:avLst/>
+              </a:prstGeom>
+            </p:spPr>
+            <p:txBody>
+              <a:bodyPr wrap="none">
+                <a:spAutoFit/>
+              </a:bodyPr>
+              <a:lstStyle/>
+              <a:p>
+                <a:r>
+                  <a:rPr lang="zh-CN" altLang="en-US" sz="5400" dirty="0">
+                    <a:solidFill>
+                      <a:srgbClr val="28A745"/>
+                    </a:solidFill>
+                    <a:latin typeface="钟齐志莽行书" panose="02010600030101010101" pitchFamily="2" charset="-122"/>
+                    <a:ea typeface="钟齐志莽行书" panose="02010600030101010101" pitchFamily="2" charset="-122"/>
+                  </a:rPr>
+                  <a:t>盒</a:t>
+                </a:r>
+              </a:p>
+            </p:txBody>
+          </p:sp>
+        </p:grpSp>
+      </p:grpSp>
+      <p:pic>
+        <p:nvPicPr>
+          <p:cNvPr id="29" name="图片 28">
+            <a:extLst>
+              <a:ext uri="{FF2B5EF4-FFF2-40B4-BE49-F238E27FC236}">
+                <a16:creationId xmlns:a16="http://schemas.microsoft.com/office/drawing/2014/main" id="{8D5EB6F3-A2D3-415E-AC1E-8F69BB531063}"/>
+              </a:ext>
+            </a:extLst>
+          </p:cNvPr>
+          <p:cNvPicPr>
+            <a:picLocks noChangeAspect="1"/>
+          </p:cNvPicPr>
+          <p:nvPr/>
+        </p:nvPicPr>
+        <p:blipFill rotWithShape="1">
+          <a:blip r:embed="rId12">
+            <a:extLst>
+              <a:ext uri="{28A0092B-C50C-407E-A947-70E740481C1C}">
+                <a14:useLocalDpi xmlns:a14="http://schemas.microsoft.com/office/drawing/2010/main" val="0"/>
+              </a:ext>
+            </a:extLst>
+          </a:blip>
+          <a:srcRect l="16861" t="22096" r="947" b="28844"/>
+          <a:stretch/>
+        </p:blipFill>
+        <p:spPr>
+          <a:xfrm>
+            <a:off x="5840666" y="1041935"/>
+            <a:ext cx="1998482" cy="723900"/>
           </a:xfrm>
           <a:prstGeom prst="rect">
             <a:avLst/>
